--- a/Alumno/Presentación/Presentación.pptx
+++ b/Alumno/Presentación/Presentación.pptx
@@ -5,10 +5,10 @@
     <p:sldMasterId id="2147483665" r:id="rId1"/>
   </p:sldMasterIdLst>
   <p:notesMasterIdLst>
-    <p:notesMasterId r:id="rId16"/>
+    <p:notesMasterId r:id="rId24"/>
   </p:notesMasterIdLst>
   <p:handoutMasterIdLst>
-    <p:handoutMasterId r:id="rId17"/>
+    <p:handoutMasterId r:id="rId25"/>
   </p:handoutMasterIdLst>
   <p:sldIdLst>
     <p:sldId id="256" r:id="rId2"/>
@@ -21,10 +21,18 @@
     <p:sldId id="264" r:id="rId9"/>
     <p:sldId id="265" r:id="rId10"/>
     <p:sldId id="266" r:id="rId11"/>
-    <p:sldId id="267" r:id="rId12"/>
-    <p:sldId id="261" r:id="rId13"/>
-    <p:sldId id="268" r:id="rId14"/>
-    <p:sldId id="269" r:id="rId15"/>
+    <p:sldId id="273" r:id="rId12"/>
+    <p:sldId id="274" r:id="rId13"/>
+    <p:sldId id="275" r:id="rId14"/>
+    <p:sldId id="276" r:id="rId15"/>
+    <p:sldId id="277" r:id="rId16"/>
+    <p:sldId id="267" r:id="rId17"/>
+    <p:sldId id="261" r:id="rId18"/>
+    <p:sldId id="268" r:id="rId19"/>
+    <p:sldId id="269" r:id="rId20"/>
+    <p:sldId id="270" r:id="rId21"/>
+    <p:sldId id="271" r:id="rId22"/>
+    <p:sldId id="272" r:id="rId23"/>
   </p:sldIdLst>
   <p:sldSz cx="12192000" cy="6858000"/>
   <p:notesSz cx="6858000" cy="9144000"/>
@@ -123,6 +131,11 @@
       </a:defRPr>
     </a:lvl9pPr>
   </p:defaultTextStyle>
+  <p:extLst>
+    <p:ext uri="{EFAFB233-063F-42B5-8137-9DF3F51BA10A}">
+      <p15:sldGuideLst xmlns:p15="http://schemas.microsoft.com/office/powerpoint/2012/main"/>
+    </p:ext>
+  </p:extLst>
 </p:presentation>
 </file>
 
@@ -212,7 +225,7 @@
           <a:p>
             <a:fld id="{77BAFAC6-4FB1-42CD-A1A8-C43BBBFB141F}" type="datetimeFigureOut">
               <a:rPr lang="es-ES" smtClean="0"/>
-              <a:t>13/06/2016</a:t>
+              <a:t>14/06/2016</a:t>
             </a:fld>
             <a:endParaRPr lang="es-ES"/>
           </a:p>
@@ -382,7 +395,7 @@
           <a:p>
             <a:fld id="{1CEBE54B-BEC2-4481-AD1A-418116890CD3}" type="datetimeFigureOut">
               <a:rPr lang="es-ES" smtClean="0"/>
-              <a:t>13/06/2016</a:t>
+              <a:t>14/06/2016</a:t>
             </a:fld>
             <a:endParaRPr lang="es-ES"/>
           </a:p>
@@ -855,7 +868,7 @@
     </p:spTree>
     <p:extLst>
       <p:ext uri="{BB962C8B-B14F-4D97-AF65-F5344CB8AC3E}">
-        <p14:creationId xmlns:p14="http://schemas.microsoft.com/office/powerpoint/2010/main" val="793385452"/>
+        <p14:creationId xmlns:p14="http://schemas.microsoft.com/office/powerpoint/2010/main" val="2917195740"/>
       </p:ext>
     </p:extLst>
   </p:cSld>
@@ -962,7 +975,7 @@
     </p:spTree>
     <p:extLst>
       <p:ext uri="{BB962C8B-B14F-4D97-AF65-F5344CB8AC3E}">
-        <p14:creationId xmlns:p14="http://schemas.microsoft.com/office/powerpoint/2010/main" val="1532850243"/>
+        <p14:creationId xmlns:p14="http://schemas.microsoft.com/office/powerpoint/2010/main" val="866518380"/>
       </p:ext>
     </p:extLst>
   </p:cSld>
@@ -1069,7 +1082,7 @@
     </p:spTree>
     <p:extLst>
       <p:ext uri="{BB962C8B-B14F-4D97-AF65-F5344CB8AC3E}">
-        <p14:creationId xmlns:p14="http://schemas.microsoft.com/office/powerpoint/2010/main" val="2998856707"/>
+        <p14:creationId xmlns:p14="http://schemas.microsoft.com/office/powerpoint/2010/main" val="2054001385"/>
       </p:ext>
     </p:extLst>
   </p:cSld>
@@ -1176,7 +1189,649 @@
     </p:spTree>
     <p:extLst>
       <p:ext uri="{BB962C8B-B14F-4D97-AF65-F5344CB8AC3E}">
+        <p14:creationId xmlns:p14="http://schemas.microsoft.com/office/powerpoint/2010/main" val="3317615969"/>
+      </p:ext>
+    </p:extLst>
+  </p:cSld>
+  <p:clrMapOvr>
+    <a:masterClrMapping/>
+  </p:clrMapOvr>
+</p:notes>
+</file>
+
+<file path=ppt/notesSlides/notesSlide14.xml><?xml version="1.0" encoding="utf-8"?>
+<p:notes xmlns:a="http://schemas.openxmlformats.org/drawingml/2006/main" xmlns:r="http://schemas.openxmlformats.org/officeDocument/2006/relationships" xmlns:p="http://schemas.openxmlformats.org/presentationml/2006/main">
+  <p:cSld>
+    <p:spTree>
+      <p:nvGrpSpPr>
+        <p:cNvPr id="1" name=""/>
+        <p:cNvGrpSpPr/>
+        <p:nvPr/>
+      </p:nvGrpSpPr>
+      <p:grpSpPr>
+        <a:xfrm>
+          <a:off x="0" y="0"/>
+          <a:ext cx="0" cy="0"/>
+          <a:chOff x="0" y="0"/>
+          <a:chExt cx="0" cy="0"/>
+        </a:xfrm>
+      </p:grpSpPr>
+      <p:sp>
+        <p:nvSpPr>
+          <p:cNvPr id="2" name="Marcador de imagen de diapositiva 1"/>
+          <p:cNvSpPr>
+            <a:spLocks noGrp="1" noRot="1" noChangeAspect="1"/>
+          </p:cNvSpPr>
+          <p:nvPr>
+            <p:ph type="sldImg"/>
+          </p:nvPr>
+        </p:nvSpPr>
+        <p:spPr/>
+      </p:sp>
+      <p:sp>
+        <p:nvSpPr>
+          <p:cNvPr id="3" name="Marcador de notas 2"/>
+          <p:cNvSpPr>
+            <a:spLocks noGrp="1"/>
+          </p:cNvSpPr>
+          <p:nvPr>
+            <p:ph type="body" idx="1"/>
+          </p:nvPr>
+        </p:nvSpPr>
+        <p:spPr/>
+        <p:txBody>
+          <a:bodyPr/>
+          <a:lstStyle/>
+          <a:p>
+            <a:endParaRPr lang="es-ES"/>
+          </a:p>
+        </p:txBody>
+      </p:sp>
+      <p:sp>
+        <p:nvSpPr>
+          <p:cNvPr id="4" name="Marcador de número de diapositiva 3"/>
+          <p:cNvSpPr>
+            <a:spLocks noGrp="1"/>
+          </p:cNvSpPr>
+          <p:nvPr>
+            <p:ph type="sldNum" sz="quarter" idx="10"/>
+          </p:nvPr>
+        </p:nvSpPr>
+        <p:spPr/>
+        <p:txBody>
+          <a:bodyPr/>
+          <a:lstStyle/>
+          <a:p>
+            <a:fld id="{5FA30100-994D-4B6A-A356-A64EAB36DD20}" type="slidenum">
+              <a:rPr lang="es-ES" smtClean="0"/>
+              <a:t>15</a:t>
+            </a:fld>
+            <a:endParaRPr lang="es-ES"/>
+          </a:p>
+        </p:txBody>
+      </p:sp>
+      <p:sp>
+        <p:nvSpPr>
+          <p:cNvPr id="5" name="Marcador de encabezado 4"/>
+          <p:cNvSpPr>
+            <a:spLocks noGrp="1"/>
+          </p:cNvSpPr>
+          <p:nvPr>
+            <p:ph type="hdr" sz="quarter" idx="11"/>
+          </p:nvPr>
+        </p:nvSpPr>
+        <p:spPr/>
+        <p:txBody>
+          <a:bodyPr/>
+          <a:lstStyle/>
+          <a:p>
+            <a:r>
+              <a:rPr lang="es-ES" smtClean="0"/>
+              <a:t>Shop's Admin</a:t>
+            </a:r>
+            <a:endParaRPr lang="es-ES"/>
+          </a:p>
+        </p:txBody>
+      </p:sp>
+    </p:spTree>
+    <p:extLst>
+      <p:ext uri="{BB962C8B-B14F-4D97-AF65-F5344CB8AC3E}">
+        <p14:creationId xmlns:p14="http://schemas.microsoft.com/office/powerpoint/2010/main" val="4105449852"/>
+      </p:ext>
+    </p:extLst>
+  </p:cSld>
+  <p:clrMapOvr>
+    <a:masterClrMapping/>
+  </p:clrMapOvr>
+</p:notes>
+</file>
+
+<file path=ppt/notesSlides/notesSlide15.xml><?xml version="1.0" encoding="utf-8"?>
+<p:notes xmlns:a="http://schemas.openxmlformats.org/drawingml/2006/main" xmlns:r="http://schemas.openxmlformats.org/officeDocument/2006/relationships" xmlns:p="http://schemas.openxmlformats.org/presentationml/2006/main">
+  <p:cSld>
+    <p:spTree>
+      <p:nvGrpSpPr>
+        <p:cNvPr id="1" name=""/>
+        <p:cNvGrpSpPr/>
+        <p:nvPr/>
+      </p:nvGrpSpPr>
+      <p:grpSpPr>
+        <a:xfrm>
+          <a:off x="0" y="0"/>
+          <a:ext cx="0" cy="0"/>
+          <a:chOff x="0" y="0"/>
+          <a:chExt cx="0" cy="0"/>
+        </a:xfrm>
+      </p:grpSpPr>
+      <p:sp>
+        <p:nvSpPr>
+          <p:cNvPr id="2" name="Marcador de imagen de diapositiva 1"/>
+          <p:cNvSpPr>
+            <a:spLocks noGrp="1" noRot="1" noChangeAspect="1"/>
+          </p:cNvSpPr>
+          <p:nvPr>
+            <p:ph type="sldImg"/>
+          </p:nvPr>
+        </p:nvSpPr>
+        <p:spPr/>
+      </p:sp>
+      <p:sp>
+        <p:nvSpPr>
+          <p:cNvPr id="3" name="Marcador de notas 2"/>
+          <p:cNvSpPr>
+            <a:spLocks noGrp="1"/>
+          </p:cNvSpPr>
+          <p:nvPr>
+            <p:ph type="body" idx="1"/>
+          </p:nvPr>
+        </p:nvSpPr>
+        <p:spPr/>
+        <p:txBody>
+          <a:bodyPr/>
+          <a:lstStyle/>
+          <a:p>
+            <a:endParaRPr lang="es-ES"/>
+          </a:p>
+        </p:txBody>
+      </p:sp>
+      <p:sp>
+        <p:nvSpPr>
+          <p:cNvPr id="4" name="Marcador de número de diapositiva 3"/>
+          <p:cNvSpPr>
+            <a:spLocks noGrp="1"/>
+          </p:cNvSpPr>
+          <p:nvPr>
+            <p:ph type="sldNum" sz="quarter" idx="10"/>
+          </p:nvPr>
+        </p:nvSpPr>
+        <p:spPr/>
+        <p:txBody>
+          <a:bodyPr/>
+          <a:lstStyle/>
+          <a:p>
+            <a:fld id="{5FA30100-994D-4B6A-A356-A64EAB36DD20}" type="slidenum">
+              <a:rPr lang="es-ES" smtClean="0"/>
+              <a:t>16</a:t>
+            </a:fld>
+            <a:endParaRPr lang="es-ES"/>
+          </a:p>
+        </p:txBody>
+      </p:sp>
+      <p:sp>
+        <p:nvSpPr>
+          <p:cNvPr id="5" name="Marcador de encabezado 4"/>
+          <p:cNvSpPr>
+            <a:spLocks noGrp="1"/>
+          </p:cNvSpPr>
+          <p:nvPr>
+            <p:ph type="hdr" sz="quarter" idx="11"/>
+          </p:nvPr>
+        </p:nvSpPr>
+        <p:spPr/>
+        <p:txBody>
+          <a:bodyPr/>
+          <a:lstStyle/>
+          <a:p>
+            <a:r>
+              <a:rPr lang="es-ES" smtClean="0"/>
+              <a:t>Shop's Admin</a:t>
+            </a:r>
+            <a:endParaRPr lang="es-ES"/>
+          </a:p>
+        </p:txBody>
+      </p:sp>
+    </p:spTree>
+    <p:extLst>
+      <p:ext uri="{BB962C8B-B14F-4D97-AF65-F5344CB8AC3E}">
+        <p14:creationId xmlns:p14="http://schemas.microsoft.com/office/powerpoint/2010/main" val="793385452"/>
+      </p:ext>
+    </p:extLst>
+  </p:cSld>
+  <p:clrMapOvr>
+    <a:masterClrMapping/>
+  </p:clrMapOvr>
+</p:notes>
+</file>
+
+<file path=ppt/notesSlides/notesSlide16.xml><?xml version="1.0" encoding="utf-8"?>
+<p:notes xmlns:a="http://schemas.openxmlformats.org/drawingml/2006/main" xmlns:r="http://schemas.openxmlformats.org/officeDocument/2006/relationships" xmlns:p="http://schemas.openxmlformats.org/presentationml/2006/main">
+  <p:cSld>
+    <p:spTree>
+      <p:nvGrpSpPr>
+        <p:cNvPr id="1" name=""/>
+        <p:cNvGrpSpPr/>
+        <p:nvPr/>
+      </p:nvGrpSpPr>
+      <p:grpSpPr>
+        <a:xfrm>
+          <a:off x="0" y="0"/>
+          <a:ext cx="0" cy="0"/>
+          <a:chOff x="0" y="0"/>
+          <a:chExt cx="0" cy="0"/>
+        </a:xfrm>
+      </p:grpSpPr>
+      <p:sp>
+        <p:nvSpPr>
+          <p:cNvPr id="2" name="Marcador de imagen de diapositiva 1"/>
+          <p:cNvSpPr>
+            <a:spLocks noGrp="1" noRot="1" noChangeAspect="1"/>
+          </p:cNvSpPr>
+          <p:nvPr>
+            <p:ph type="sldImg"/>
+          </p:nvPr>
+        </p:nvSpPr>
+        <p:spPr/>
+      </p:sp>
+      <p:sp>
+        <p:nvSpPr>
+          <p:cNvPr id="3" name="Marcador de notas 2"/>
+          <p:cNvSpPr>
+            <a:spLocks noGrp="1"/>
+          </p:cNvSpPr>
+          <p:nvPr>
+            <p:ph type="body" idx="1"/>
+          </p:nvPr>
+        </p:nvSpPr>
+        <p:spPr/>
+        <p:txBody>
+          <a:bodyPr/>
+          <a:lstStyle/>
+          <a:p>
+            <a:endParaRPr lang="es-ES"/>
+          </a:p>
+        </p:txBody>
+      </p:sp>
+      <p:sp>
+        <p:nvSpPr>
+          <p:cNvPr id="4" name="Marcador de número de diapositiva 3"/>
+          <p:cNvSpPr>
+            <a:spLocks noGrp="1"/>
+          </p:cNvSpPr>
+          <p:nvPr>
+            <p:ph type="sldNum" sz="quarter" idx="10"/>
+          </p:nvPr>
+        </p:nvSpPr>
+        <p:spPr/>
+        <p:txBody>
+          <a:bodyPr/>
+          <a:lstStyle/>
+          <a:p>
+            <a:fld id="{5FA30100-994D-4B6A-A356-A64EAB36DD20}" type="slidenum">
+              <a:rPr lang="es-ES" smtClean="0"/>
+              <a:t>17</a:t>
+            </a:fld>
+            <a:endParaRPr lang="es-ES"/>
+          </a:p>
+        </p:txBody>
+      </p:sp>
+      <p:sp>
+        <p:nvSpPr>
+          <p:cNvPr id="5" name="Marcador de encabezado 4"/>
+          <p:cNvSpPr>
+            <a:spLocks noGrp="1"/>
+          </p:cNvSpPr>
+          <p:nvPr>
+            <p:ph type="hdr" sz="quarter" idx="11"/>
+          </p:nvPr>
+        </p:nvSpPr>
+        <p:spPr/>
+        <p:txBody>
+          <a:bodyPr/>
+          <a:lstStyle/>
+          <a:p>
+            <a:r>
+              <a:rPr lang="es-ES" smtClean="0"/>
+              <a:t>Shop's Admin</a:t>
+            </a:r>
+            <a:endParaRPr lang="es-ES"/>
+          </a:p>
+        </p:txBody>
+      </p:sp>
+    </p:spTree>
+    <p:extLst>
+      <p:ext uri="{BB962C8B-B14F-4D97-AF65-F5344CB8AC3E}">
+        <p14:creationId xmlns:p14="http://schemas.microsoft.com/office/powerpoint/2010/main" val="1532850243"/>
+      </p:ext>
+    </p:extLst>
+  </p:cSld>
+  <p:clrMapOvr>
+    <a:masterClrMapping/>
+  </p:clrMapOvr>
+</p:notes>
+</file>
+
+<file path=ppt/notesSlides/notesSlide17.xml><?xml version="1.0" encoding="utf-8"?>
+<p:notes xmlns:a="http://schemas.openxmlformats.org/drawingml/2006/main" xmlns:r="http://schemas.openxmlformats.org/officeDocument/2006/relationships" xmlns:p="http://schemas.openxmlformats.org/presentationml/2006/main">
+  <p:cSld>
+    <p:spTree>
+      <p:nvGrpSpPr>
+        <p:cNvPr id="1" name=""/>
+        <p:cNvGrpSpPr/>
+        <p:nvPr/>
+      </p:nvGrpSpPr>
+      <p:grpSpPr>
+        <a:xfrm>
+          <a:off x="0" y="0"/>
+          <a:ext cx="0" cy="0"/>
+          <a:chOff x="0" y="0"/>
+          <a:chExt cx="0" cy="0"/>
+        </a:xfrm>
+      </p:grpSpPr>
+      <p:sp>
+        <p:nvSpPr>
+          <p:cNvPr id="2" name="Marcador de imagen de diapositiva 1"/>
+          <p:cNvSpPr>
+            <a:spLocks noGrp="1" noRot="1" noChangeAspect="1"/>
+          </p:cNvSpPr>
+          <p:nvPr>
+            <p:ph type="sldImg"/>
+          </p:nvPr>
+        </p:nvSpPr>
+        <p:spPr/>
+      </p:sp>
+      <p:sp>
+        <p:nvSpPr>
+          <p:cNvPr id="3" name="Marcador de notas 2"/>
+          <p:cNvSpPr>
+            <a:spLocks noGrp="1"/>
+          </p:cNvSpPr>
+          <p:nvPr>
+            <p:ph type="body" idx="1"/>
+          </p:nvPr>
+        </p:nvSpPr>
+        <p:spPr/>
+        <p:txBody>
+          <a:bodyPr/>
+          <a:lstStyle/>
+          <a:p>
+            <a:endParaRPr lang="es-ES"/>
+          </a:p>
+        </p:txBody>
+      </p:sp>
+      <p:sp>
+        <p:nvSpPr>
+          <p:cNvPr id="4" name="Marcador de número de diapositiva 3"/>
+          <p:cNvSpPr>
+            <a:spLocks noGrp="1"/>
+          </p:cNvSpPr>
+          <p:nvPr>
+            <p:ph type="sldNum" sz="quarter" idx="10"/>
+          </p:nvPr>
+        </p:nvSpPr>
+        <p:spPr/>
+        <p:txBody>
+          <a:bodyPr/>
+          <a:lstStyle/>
+          <a:p>
+            <a:fld id="{5FA30100-994D-4B6A-A356-A64EAB36DD20}" type="slidenum">
+              <a:rPr lang="es-ES" smtClean="0"/>
+              <a:t>18</a:t>
+            </a:fld>
+            <a:endParaRPr lang="es-ES"/>
+          </a:p>
+        </p:txBody>
+      </p:sp>
+      <p:sp>
+        <p:nvSpPr>
+          <p:cNvPr id="5" name="Marcador de encabezado 4"/>
+          <p:cNvSpPr>
+            <a:spLocks noGrp="1"/>
+          </p:cNvSpPr>
+          <p:nvPr>
+            <p:ph type="hdr" sz="quarter" idx="11"/>
+          </p:nvPr>
+        </p:nvSpPr>
+        <p:spPr/>
+        <p:txBody>
+          <a:bodyPr/>
+          <a:lstStyle/>
+          <a:p>
+            <a:r>
+              <a:rPr lang="es-ES" smtClean="0"/>
+              <a:t>Shop's Admin</a:t>
+            </a:r>
+            <a:endParaRPr lang="es-ES"/>
+          </a:p>
+        </p:txBody>
+      </p:sp>
+    </p:spTree>
+    <p:extLst>
+      <p:ext uri="{BB962C8B-B14F-4D97-AF65-F5344CB8AC3E}">
+        <p14:creationId xmlns:p14="http://schemas.microsoft.com/office/powerpoint/2010/main" val="2998856707"/>
+      </p:ext>
+    </p:extLst>
+  </p:cSld>
+  <p:clrMapOvr>
+    <a:masterClrMapping/>
+  </p:clrMapOvr>
+</p:notes>
+</file>
+
+<file path=ppt/notesSlides/notesSlide18.xml><?xml version="1.0" encoding="utf-8"?>
+<p:notes xmlns:a="http://schemas.openxmlformats.org/drawingml/2006/main" xmlns:r="http://schemas.openxmlformats.org/officeDocument/2006/relationships" xmlns:p="http://schemas.openxmlformats.org/presentationml/2006/main">
+  <p:cSld>
+    <p:spTree>
+      <p:nvGrpSpPr>
+        <p:cNvPr id="1" name=""/>
+        <p:cNvGrpSpPr/>
+        <p:nvPr/>
+      </p:nvGrpSpPr>
+      <p:grpSpPr>
+        <a:xfrm>
+          <a:off x="0" y="0"/>
+          <a:ext cx="0" cy="0"/>
+          <a:chOff x="0" y="0"/>
+          <a:chExt cx="0" cy="0"/>
+        </a:xfrm>
+      </p:grpSpPr>
+      <p:sp>
+        <p:nvSpPr>
+          <p:cNvPr id="2" name="Marcador de imagen de diapositiva 1"/>
+          <p:cNvSpPr>
+            <a:spLocks noGrp="1" noRot="1" noChangeAspect="1"/>
+          </p:cNvSpPr>
+          <p:nvPr>
+            <p:ph type="sldImg"/>
+          </p:nvPr>
+        </p:nvSpPr>
+        <p:spPr/>
+      </p:sp>
+      <p:sp>
+        <p:nvSpPr>
+          <p:cNvPr id="3" name="Marcador de notas 2"/>
+          <p:cNvSpPr>
+            <a:spLocks noGrp="1"/>
+          </p:cNvSpPr>
+          <p:nvPr>
+            <p:ph type="body" idx="1"/>
+          </p:nvPr>
+        </p:nvSpPr>
+        <p:spPr/>
+        <p:txBody>
+          <a:bodyPr/>
+          <a:lstStyle/>
+          <a:p>
+            <a:endParaRPr lang="es-ES"/>
+          </a:p>
+        </p:txBody>
+      </p:sp>
+      <p:sp>
+        <p:nvSpPr>
+          <p:cNvPr id="4" name="Marcador de número de diapositiva 3"/>
+          <p:cNvSpPr>
+            <a:spLocks noGrp="1"/>
+          </p:cNvSpPr>
+          <p:nvPr>
+            <p:ph type="sldNum" sz="quarter" idx="10"/>
+          </p:nvPr>
+        </p:nvSpPr>
+        <p:spPr/>
+        <p:txBody>
+          <a:bodyPr/>
+          <a:lstStyle/>
+          <a:p>
+            <a:fld id="{5FA30100-994D-4B6A-A356-A64EAB36DD20}" type="slidenum">
+              <a:rPr lang="es-ES" smtClean="0"/>
+              <a:t>19</a:t>
+            </a:fld>
+            <a:endParaRPr lang="es-ES"/>
+          </a:p>
+        </p:txBody>
+      </p:sp>
+      <p:sp>
+        <p:nvSpPr>
+          <p:cNvPr id="5" name="Marcador de encabezado 4"/>
+          <p:cNvSpPr>
+            <a:spLocks noGrp="1"/>
+          </p:cNvSpPr>
+          <p:nvPr>
+            <p:ph type="hdr" sz="quarter" idx="11"/>
+          </p:nvPr>
+        </p:nvSpPr>
+        <p:spPr/>
+        <p:txBody>
+          <a:bodyPr/>
+          <a:lstStyle/>
+          <a:p>
+            <a:r>
+              <a:rPr lang="es-ES" smtClean="0"/>
+              <a:t>Shop's Admin</a:t>
+            </a:r>
+            <a:endParaRPr lang="es-ES"/>
+          </a:p>
+        </p:txBody>
+      </p:sp>
+    </p:spTree>
+    <p:extLst>
+      <p:ext uri="{BB962C8B-B14F-4D97-AF65-F5344CB8AC3E}">
         <p14:creationId xmlns:p14="http://schemas.microsoft.com/office/powerpoint/2010/main" val="55658435"/>
+      </p:ext>
+    </p:extLst>
+  </p:cSld>
+  <p:clrMapOvr>
+    <a:masterClrMapping/>
+  </p:clrMapOvr>
+</p:notes>
+</file>
+
+<file path=ppt/notesSlides/notesSlide19.xml><?xml version="1.0" encoding="utf-8"?>
+<p:notes xmlns:a="http://schemas.openxmlformats.org/drawingml/2006/main" xmlns:r="http://schemas.openxmlformats.org/officeDocument/2006/relationships" xmlns:p="http://schemas.openxmlformats.org/presentationml/2006/main">
+  <p:cSld>
+    <p:spTree>
+      <p:nvGrpSpPr>
+        <p:cNvPr id="1" name=""/>
+        <p:cNvGrpSpPr/>
+        <p:nvPr/>
+      </p:nvGrpSpPr>
+      <p:grpSpPr>
+        <a:xfrm>
+          <a:off x="0" y="0"/>
+          <a:ext cx="0" cy="0"/>
+          <a:chOff x="0" y="0"/>
+          <a:chExt cx="0" cy="0"/>
+        </a:xfrm>
+      </p:grpSpPr>
+      <p:sp>
+        <p:nvSpPr>
+          <p:cNvPr id="2" name="Marcador de imagen de diapositiva 1"/>
+          <p:cNvSpPr>
+            <a:spLocks noGrp="1" noRot="1" noChangeAspect="1"/>
+          </p:cNvSpPr>
+          <p:nvPr>
+            <p:ph type="sldImg"/>
+          </p:nvPr>
+        </p:nvSpPr>
+        <p:spPr/>
+      </p:sp>
+      <p:sp>
+        <p:nvSpPr>
+          <p:cNvPr id="3" name="Marcador de notas 2"/>
+          <p:cNvSpPr>
+            <a:spLocks noGrp="1"/>
+          </p:cNvSpPr>
+          <p:nvPr>
+            <p:ph type="body" idx="1"/>
+          </p:nvPr>
+        </p:nvSpPr>
+        <p:spPr/>
+        <p:txBody>
+          <a:bodyPr/>
+          <a:lstStyle/>
+          <a:p>
+            <a:endParaRPr lang="es-ES"/>
+          </a:p>
+        </p:txBody>
+      </p:sp>
+      <p:sp>
+        <p:nvSpPr>
+          <p:cNvPr id="4" name="Marcador de número de diapositiva 3"/>
+          <p:cNvSpPr>
+            <a:spLocks noGrp="1"/>
+          </p:cNvSpPr>
+          <p:nvPr>
+            <p:ph type="sldNum" sz="quarter" idx="10"/>
+          </p:nvPr>
+        </p:nvSpPr>
+        <p:spPr/>
+        <p:txBody>
+          <a:bodyPr/>
+          <a:lstStyle/>
+          <a:p>
+            <a:fld id="{5FA30100-994D-4B6A-A356-A64EAB36DD20}" type="slidenum">
+              <a:rPr lang="es-ES" smtClean="0"/>
+              <a:t>20</a:t>
+            </a:fld>
+            <a:endParaRPr lang="es-ES"/>
+          </a:p>
+        </p:txBody>
+      </p:sp>
+      <p:sp>
+        <p:nvSpPr>
+          <p:cNvPr id="5" name="Marcador de encabezado 4"/>
+          <p:cNvSpPr>
+            <a:spLocks noGrp="1"/>
+          </p:cNvSpPr>
+          <p:nvPr>
+            <p:ph type="hdr" sz="quarter" idx="11"/>
+          </p:nvPr>
+        </p:nvSpPr>
+        <p:spPr/>
+        <p:txBody>
+          <a:bodyPr/>
+          <a:lstStyle/>
+          <a:p>
+            <a:r>
+              <a:rPr lang="es-ES" smtClean="0"/>
+              <a:t>Shop's Admin</a:t>
+            </a:r>
+            <a:endParaRPr lang="es-ES"/>
+          </a:p>
+        </p:txBody>
+      </p:sp>
+    </p:spTree>
+    <p:extLst>
+      <p:ext uri="{BB962C8B-B14F-4D97-AF65-F5344CB8AC3E}">
+        <p14:creationId xmlns:p14="http://schemas.microsoft.com/office/powerpoint/2010/main" val="3497966068"/>
       </p:ext>
     </p:extLst>
   </p:cSld>
@@ -1284,6 +1939,113 @@
     <p:extLst>
       <p:ext uri="{BB962C8B-B14F-4D97-AF65-F5344CB8AC3E}">
         <p14:creationId xmlns:p14="http://schemas.microsoft.com/office/powerpoint/2010/main" val="3022813663"/>
+      </p:ext>
+    </p:extLst>
+  </p:cSld>
+  <p:clrMapOvr>
+    <a:masterClrMapping/>
+  </p:clrMapOvr>
+</p:notes>
+</file>
+
+<file path=ppt/notesSlides/notesSlide20.xml><?xml version="1.0" encoding="utf-8"?>
+<p:notes xmlns:a="http://schemas.openxmlformats.org/drawingml/2006/main" xmlns:r="http://schemas.openxmlformats.org/officeDocument/2006/relationships" xmlns:p="http://schemas.openxmlformats.org/presentationml/2006/main">
+  <p:cSld>
+    <p:spTree>
+      <p:nvGrpSpPr>
+        <p:cNvPr id="1" name=""/>
+        <p:cNvGrpSpPr/>
+        <p:nvPr/>
+      </p:nvGrpSpPr>
+      <p:grpSpPr>
+        <a:xfrm>
+          <a:off x="0" y="0"/>
+          <a:ext cx="0" cy="0"/>
+          <a:chOff x="0" y="0"/>
+          <a:chExt cx="0" cy="0"/>
+        </a:xfrm>
+      </p:grpSpPr>
+      <p:sp>
+        <p:nvSpPr>
+          <p:cNvPr id="2" name="Marcador de imagen de diapositiva 1"/>
+          <p:cNvSpPr>
+            <a:spLocks noGrp="1" noRot="1" noChangeAspect="1"/>
+          </p:cNvSpPr>
+          <p:nvPr>
+            <p:ph type="sldImg"/>
+          </p:nvPr>
+        </p:nvSpPr>
+        <p:spPr/>
+      </p:sp>
+      <p:sp>
+        <p:nvSpPr>
+          <p:cNvPr id="3" name="Marcador de notas 2"/>
+          <p:cNvSpPr>
+            <a:spLocks noGrp="1"/>
+          </p:cNvSpPr>
+          <p:nvPr>
+            <p:ph type="body" idx="1"/>
+          </p:nvPr>
+        </p:nvSpPr>
+        <p:spPr/>
+        <p:txBody>
+          <a:bodyPr/>
+          <a:lstStyle/>
+          <a:p>
+            <a:endParaRPr lang="es-ES"/>
+          </a:p>
+        </p:txBody>
+      </p:sp>
+      <p:sp>
+        <p:nvSpPr>
+          <p:cNvPr id="4" name="Marcador de número de diapositiva 3"/>
+          <p:cNvSpPr>
+            <a:spLocks noGrp="1"/>
+          </p:cNvSpPr>
+          <p:nvPr>
+            <p:ph type="sldNum" sz="quarter" idx="10"/>
+          </p:nvPr>
+        </p:nvSpPr>
+        <p:spPr/>
+        <p:txBody>
+          <a:bodyPr/>
+          <a:lstStyle/>
+          <a:p>
+            <a:fld id="{5FA30100-994D-4B6A-A356-A64EAB36DD20}" type="slidenum">
+              <a:rPr lang="es-ES" smtClean="0"/>
+              <a:t>21</a:t>
+            </a:fld>
+            <a:endParaRPr lang="es-ES"/>
+          </a:p>
+        </p:txBody>
+      </p:sp>
+      <p:sp>
+        <p:nvSpPr>
+          <p:cNvPr id="5" name="Marcador de encabezado 4"/>
+          <p:cNvSpPr>
+            <a:spLocks noGrp="1"/>
+          </p:cNvSpPr>
+          <p:nvPr>
+            <p:ph type="hdr" sz="quarter" idx="11"/>
+          </p:nvPr>
+        </p:nvSpPr>
+        <p:spPr/>
+        <p:txBody>
+          <a:bodyPr/>
+          <a:lstStyle/>
+          <a:p>
+            <a:r>
+              <a:rPr lang="es-ES" smtClean="0"/>
+              <a:t>Shop's Admin</a:t>
+            </a:r>
+            <a:endParaRPr lang="es-ES"/>
+          </a:p>
+        </p:txBody>
+      </p:sp>
+    </p:spTree>
+    <p:extLst>
+      <p:ext uri="{BB962C8B-B14F-4D97-AF65-F5344CB8AC3E}">
+        <p14:creationId xmlns:p14="http://schemas.microsoft.com/office/powerpoint/2010/main" val="3031195962"/>
       </p:ext>
     </p:extLst>
   </p:cSld>
@@ -2231,7 +2993,7 @@
             <a:fld id="{B61BEF0D-F0BB-DE4B-95CE-6DB70DBA9567}" type="datetimeFigureOut">
               <a:rPr lang="en-US" smtClean="0"/>
               <a:pPr/>
-              <a:t>6/13/2016</a:t>
+              <a:t>6/14/2016</a:t>
             </a:fld>
             <a:endParaRPr lang="en-US"/>
           </a:p>
@@ -2571,7 +3333,7 @@
             <a:fld id="{B61BEF0D-F0BB-DE4B-95CE-6DB70DBA9567}" type="datetimeFigureOut">
               <a:rPr lang="en-US" smtClean="0"/>
               <a:pPr/>
-              <a:t>6/13/2016</a:t>
+              <a:t>6/14/2016</a:t>
             </a:fld>
             <a:endParaRPr lang="en-US"/>
           </a:p>
@@ -2974,7 +3736,7 @@
             <a:fld id="{B61BEF0D-F0BB-DE4B-95CE-6DB70DBA9567}" type="datetimeFigureOut">
               <a:rPr lang="en-US" smtClean="0"/>
               <a:pPr/>
-              <a:t>6/13/2016</a:t>
+              <a:t>6/14/2016</a:t>
             </a:fld>
             <a:endParaRPr lang="en-US"/>
           </a:p>
@@ -3312,7 +4074,7 @@
             <a:fld id="{B61BEF0D-F0BB-DE4B-95CE-6DB70DBA9567}" type="datetimeFigureOut">
               <a:rPr lang="en-US" smtClean="0"/>
               <a:pPr/>
-              <a:t>6/13/2016</a:t>
+              <a:t>6/14/2016</a:t>
             </a:fld>
             <a:endParaRPr lang="en-US"/>
           </a:p>
@@ -3634,7 +4396,7 @@
             <a:fld id="{B61BEF0D-F0BB-DE4B-95CE-6DB70DBA9567}" type="datetimeFigureOut">
               <a:rPr lang="en-US" smtClean="0"/>
               <a:pPr/>
-              <a:t>6/13/2016</a:t>
+              <a:t>6/14/2016</a:t>
             </a:fld>
             <a:endParaRPr lang="en-US"/>
           </a:p>
@@ -4032,7 +4794,7 @@
             <a:fld id="{B61BEF0D-F0BB-DE4B-95CE-6DB70DBA9567}" type="datetimeFigureOut">
               <a:rPr lang="en-US" smtClean="0"/>
               <a:pPr/>
-              <a:t>6/13/2016</a:t>
+              <a:t>6/14/2016</a:t>
             </a:fld>
             <a:endParaRPr lang="en-US"/>
           </a:p>
@@ -4291,7 +5053,7 @@
             <a:fld id="{B61BEF0D-F0BB-DE4B-95CE-6DB70DBA9567}" type="datetimeFigureOut">
               <a:rPr lang="en-US" smtClean="0"/>
               <a:pPr/>
-              <a:t>6/13/2016</a:t>
+              <a:t>6/14/2016</a:t>
             </a:fld>
             <a:endParaRPr lang="en-US"/>
           </a:p>
@@ -4555,7 +5317,7 @@
             <a:fld id="{B61BEF0D-F0BB-DE4B-95CE-6DB70DBA9567}" type="datetimeFigureOut">
               <a:rPr lang="en-US" smtClean="0"/>
               <a:pPr/>
-              <a:t>6/13/2016</a:t>
+              <a:t>6/14/2016</a:t>
             </a:fld>
             <a:endParaRPr lang="en-US"/>
           </a:p>
@@ -4819,7 +5581,7 @@
             <a:fld id="{B61BEF0D-F0BB-DE4B-95CE-6DB70DBA9567}" type="datetimeFigureOut">
               <a:rPr lang="en-US" smtClean="0"/>
               <a:pPr/>
-              <a:t>6/13/2016</a:t>
+              <a:t>6/14/2016</a:t>
             </a:fld>
             <a:endParaRPr lang="en-US"/>
           </a:p>
@@ -5150,7 +5912,7 @@
             <a:fld id="{B61BEF0D-F0BB-DE4B-95CE-6DB70DBA9567}" type="datetimeFigureOut">
               <a:rPr lang="en-US" smtClean="0"/>
               <a:pPr/>
-              <a:t>6/13/2016</a:t>
+              <a:t>6/14/2016</a:t>
             </a:fld>
             <a:endParaRPr lang="en-US"/>
           </a:p>
@@ -5475,7 +6237,7 @@
             <a:fld id="{B61BEF0D-F0BB-DE4B-95CE-6DB70DBA9567}" type="datetimeFigureOut">
               <a:rPr lang="en-US" smtClean="0"/>
               <a:pPr/>
-              <a:t>6/13/2016</a:t>
+              <a:t>6/14/2016</a:t>
             </a:fld>
             <a:endParaRPr lang="en-US"/>
           </a:p>
@@ -5934,7 +6696,7 @@
             <a:fld id="{B61BEF0D-F0BB-DE4B-95CE-6DB70DBA9567}" type="datetimeFigureOut">
               <a:rPr lang="en-US" smtClean="0"/>
               <a:pPr/>
-              <a:t>6/13/2016</a:t>
+              <a:t>6/14/2016</a:t>
             </a:fld>
             <a:endParaRPr lang="en-US"/>
           </a:p>
@@ -6141,7 +6903,7 @@
             <a:fld id="{B61BEF0D-F0BB-DE4B-95CE-6DB70DBA9567}" type="datetimeFigureOut">
               <a:rPr lang="en-US" smtClean="0"/>
               <a:pPr/>
-              <a:t>6/13/2016</a:t>
+              <a:t>6/14/2016</a:t>
             </a:fld>
             <a:endParaRPr lang="en-US"/>
           </a:p>
@@ -6320,7 +7082,7 @@
             <a:fld id="{B61BEF0D-F0BB-DE4B-95CE-6DB70DBA9567}" type="datetimeFigureOut">
               <a:rPr lang="en-US" smtClean="0"/>
               <a:pPr/>
-              <a:t>6/13/2016</a:t>
+              <a:t>6/14/2016</a:t>
             </a:fld>
             <a:endParaRPr lang="en-US"/>
           </a:p>
@@ -6655,7 +7417,7 @@
             <a:fld id="{B61BEF0D-F0BB-DE4B-95CE-6DB70DBA9567}" type="datetimeFigureOut">
               <a:rPr lang="en-US" smtClean="0"/>
               <a:pPr/>
-              <a:t>6/13/2016</a:t>
+              <a:t>6/14/2016</a:t>
             </a:fld>
             <a:endParaRPr lang="en-US"/>
           </a:p>
@@ -7002,7 +7764,7 @@
             <a:fld id="{B61BEF0D-F0BB-DE4B-95CE-6DB70DBA9567}" type="datetimeFigureOut">
               <a:rPr lang="en-US" smtClean="0"/>
               <a:pPr/>
-              <a:t>6/13/2016</a:t>
+              <a:t>6/14/2016</a:t>
             </a:fld>
             <a:endParaRPr lang="en-US"/>
           </a:p>
@@ -9121,7 +9883,7 @@
             <a:fld id="{B61BEF0D-F0BB-DE4B-95CE-6DB70DBA9567}" type="datetimeFigureOut">
               <a:rPr lang="en-US" smtClean="0"/>
               <a:pPr/>
-              <a:t>6/13/2016</a:t>
+              <a:t>6/14/2016</a:t>
             </a:fld>
             <a:endParaRPr lang="en-US"/>
           </a:p>
@@ -10264,132 +11026,9 @@
             </a:r>
             <a:r>
               <a:rPr lang="es-ES" sz="3100" dirty="0" smtClean="0"/>
-              <a:t>Requisitos no funcionales.</a:t>
+              <a:t>Casos de Usos.</a:t>
             </a:r>
             <a:endParaRPr lang="es-ES" dirty="0"/>
-          </a:p>
-        </p:txBody>
-      </p:sp>
-      <p:sp>
-        <p:nvSpPr>
-          <p:cNvPr id="3" name="Marcador de contenido 2"/>
-          <p:cNvSpPr>
-            <a:spLocks noGrp="1"/>
-          </p:cNvSpPr>
-          <p:nvPr>
-            <p:ph idx="1"/>
-          </p:nvPr>
-        </p:nvSpPr>
-        <p:spPr>
-          <a:xfrm>
-            <a:off x="1790163" y="1388118"/>
-            <a:ext cx="7896455" cy="5192986"/>
-          </a:xfrm>
-        </p:spPr>
-        <p:txBody>
-          <a:bodyPr>
-            <a:normAutofit/>
-          </a:bodyPr>
-          <a:lstStyle/>
-          <a:p>
-            <a:r>
-              <a:rPr lang="es-ES" dirty="0" smtClean="0"/>
-              <a:t>Debe estar </a:t>
-            </a:r>
-            <a:r>
-              <a:rPr lang="es-ES" b="1" dirty="0" smtClean="0"/>
-              <a:t>disponible</a:t>
-            </a:r>
-            <a:r>
-              <a:rPr lang="es-ES" dirty="0" smtClean="0"/>
-              <a:t> desde cualquier navegador.</a:t>
-            </a:r>
-          </a:p>
-          <a:p>
-            <a:endParaRPr lang="es-ES" dirty="0" smtClean="0"/>
-          </a:p>
-          <a:p>
-            <a:endParaRPr lang="es-ES" dirty="0" smtClean="0"/>
-          </a:p>
-          <a:p>
-            <a:r>
-              <a:rPr lang="es-ES" dirty="0" smtClean="0"/>
-              <a:t>Se </a:t>
-            </a:r>
-            <a:r>
-              <a:rPr lang="es-ES" dirty="0"/>
-              <a:t>utilizará un diseño de </a:t>
-            </a:r>
-            <a:r>
-              <a:rPr lang="es-ES" dirty="0" smtClean="0"/>
-              <a:t>páginas webs </a:t>
-            </a:r>
-            <a:r>
-              <a:rPr lang="es-ES" b="1" dirty="0"/>
-              <a:t>intuitivo</a:t>
-            </a:r>
-            <a:r>
-              <a:rPr lang="es-ES" dirty="0"/>
-              <a:t>, con una navegación </a:t>
-            </a:r>
-            <a:r>
-              <a:rPr lang="es-ES" dirty="0" smtClean="0"/>
-              <a:t>clara.</a:t>
-            </a:r>
-          </a:p>
-          <a:p>
-            <a:r>
-              <a:rPr lang="es-ES" dirty="0"/>
-              <a:t>La web cuenta con un diseño </a:t>
-            </a:r>
-            <a:r>
-              <a:rPr lang="es-ES" b="1" i="1" dirty="0"/>
-              <a:t>responsive</a:t>
-            </a:r>
-            <a:r>
-              <a:rPr lang="es-ES" dirty="0"/>
-              <a:t> por lo que se puede visualizar en todo tipo de dispositivos y resoluciones</a:t>
-            </a:r>
-            <a:r>
-              <a:rPr lang="es-ES" dirty="0" smtClean="0"/>
-              <a:t>.</a:t>
-            </a:r>
-          </a:p>
-          <a:p>
-            <a:endParaRPr lang="es-ES" dirty="0" smtClean="0"/>
-          </a:p>
-          <a:p>
-            <a:pPr marL="0" indent="0">
-              <a:buNone/>
-            </a:pPr>
-            <a:endParaRPr lang="es-ES" dirty="0" smtClean="0"/>
-          </a:p>
-          <a:p>
-            <a:pPr marL="0" indent="0">
-              <a:buNone/>
-            </a:pPr>
-            <a:endParaRPr lang="es-ES" dirty="0" smtClean="0"/>
-          </a:p>
-          <a:p>
-            <a:r>
-              <a:rPr lang="es-ES" dirty="0"/>
-              <a:t>Las herramientas, tecnologías  y plantillas utilizadas para el desarrollo del sistema son </a:t>
-            </a:r>
-            <a:r>
-              <a:rPr lang="es-ES" b="1" dirty="0"/>
-              <a:t>gratuitas</a:t>
-            </a:r>
-            <a:r>
-              <a:rPr lang="es-ES" dirty="0"/>
-              <a:t>. </a:t>
-            </a:r>
-            <a:endParaRPr lang="es-ES" dirty="0"/>
-          </a:p>
-          <a:p>
-            <a:pPr marL="0" indent="0">
-              <a:buNone/>
-            </a:pPr>
-            <a:endParaRPr lang="es-ES" b="1" dirty="0"/>
           </a:p>
         </p:txBody>
       </p:sp>
@@ -10541,12 +11180,22 @@
         </p:blipFill>
         <p:spPr>
           <a:xfrm>
-            <a:off x="4167333" y="1755099"/>
-            <a:ext cx="2311845" cy="888776"/>
+            <a:off x="455122" y="1535773"/>
+            <a:ext cx="3422770" cy="2520000"/>
           </a:xfrm>
           <a:prstGeom prst="rect">
             <a:avLst/>
           </a:prstGeom>
+          <a:ln>
+            <a:noFill/>
+          </a:ln>
+          <a:effectLst>
+            <a:outerShdw blurRad="190500" algn="tl" rotWithShape="0">
+              <a:srgbClr val="000000">
+                <a:alpha val="70000"/>
+              </a:srgbClr>
+            </a:outerShdw>
+          </a:effectLst>
         </p:spPr>
       </p:pic>
       <p:pic>
@@ -10571,12 +11220,22 @@
         </p:blipFill>
         <p:spPr>
           <a:xfrm>
-            <a:off x="4333654" y="3899632"/>
-            <a:ext cx="1979205" cy="1187523"/>
+            <a:off x="4454451" y="1535773"/>
+            <a:ext cx="3180485" cy="2520000"/>
           </a:xfrm>
           <a:prstGeom prst="rect">
             <a:avLst/>
           </a:prstGeom>
+          <a:ln>
+            <a:noFill/>
+          </a:ln>
+          <a:effectLst>
+            <a:outerShdw blurRad="190500" algn="tl" rotWithShape="0">
+              <a:srgbClr val="000000">
+                <a:alpha val="70000"/>
+              </a:srgbClr>
+            </a:outerShdw>
+          </a:effectLst>
         </p:spPr>
       </p:pic>
       <p:pic>
@@ -10601,18 +11260,108 @@
         </p:blipFill>
         <p:spPr>
           <a:xfrm>
-            <a:off x="6219222" y="5581758"/>
-            <a:ext cx="1520982" cy="999346"/>
+            <a:off x="8116489" y="1489884"/>
+            <a:ext cx="3477091" cy="2520000"/>
           </a:xfrm>
           <a:prstGeom prst="rect">
             <a:avLst/>
           </a:prstGeom>
+          <a:ln>
+            <a:noFill/>
+          </a:ln>
+          <a:effectLst>
+            <a:outerShdw blurRad="190500" algn="tl" rotWithShape="0">
+              <a:srgbClr val="000000">
+                <a:alpha val="70000"/>
+              </a:srgbClr>
+            </a:outerShdw>
+          </a:effectLst>
+        </p:spPr>
+      </p:pic>
+      <p:pic>
+        <p:nvPicPr>
+          <p:cNvPr id="10" name="Imagen 9"/>
+          <p:cNvPicPr>
+            <a:picLocks noChangeAspect="1"/>
+          </p:cNvPicPr>
+          <p:nvPr/>
+        </p:nvPicPr>
+        <p:blipFill>
+          <a:blip r:embed="rId7">
+            <a:extLst>
+              <a:ext uri="{28A0092B-C50C-407E-A947-70E740481C1C}">
+                <a14:useLocalDpi xmlns:a14="http://schemas.microsoft.com/office/drawing/2010/main" val="0"/>
+              </a:ext>
+            </a:extLst>
+          </a:blip>
+          <a:stretch>
+            <a:fillRect/>
+          </a:stretch>
+        </p:blipFill>
+        <p:spPr>
+          <a:xfrm>
+            <a:off x="639788" y="4211332"/>
+            <a:ext cx="4940852" cy="2520000"/>
+          </a:xfrm>
+          <a:prstGeom prst="rect">
+            <a:avLst/>
+          </a:prstGeom>
+          <a:ln>
+            <a:noFill/>
+          </a:ln>
+          <a:effectLst>
+            <a:outerShdw blurRad="190500" algn="tl" rotWithShape="0">
+              <a:srgbClr val="000000">
+                <a:alpha val="70000"/>
+              </a:srgbClr>
+            </a:outerShdw>
+          </a:effectLst>
+        </p:spPr>
+      </p:pic>
+      <p:pic>
+        <p:nvPicPr>
+          <p:cNvPr id="11" name="Imagen 10"/>
+          <p:cNvPicPr>
+            <a:picLocks noChangeAspect="1"/>
+          </p:cNvPicPr>
+          <p:nvPr/>
+        </p:nvPicPr>
+        <p:blipFill>
+          <a:blip r:embed="rId8">
+            <a:extLst>
+              <a:ext uri="{28A0092B-C50C-407E-A947-70E740481C1C}">
+                <a14:useLocalDpi xmlns:a14="http://schemas.microsoft.com/office/drawing/2010/main" val="0"/>
+              </a:ext>
+            </a:extLst>
+          </a:blip>
+          <a:stretch>
+            <a:fillRect/>
+          </a:stretch>
+        </p:blipFill>
+        <p:spPr>
+          <a:xfrm>
+            <a:off x="6542973" y="4178156"/>
+            <a:ext cx="4940852" cy="2520000"/>
+          </a:xfrm>
+          <a:prstGeom prst="rect">
+            <a:avLst/>
+          </a:prstGeom>
+          <a:ln>
+            <a:noFill/>
+          </a:ln>
+          <a:effectLst>
+            <a:outerShdw blurRad="190500" algn="tl" rotWithShape="0">
+              <a:srgbClr val="000000">
+                <a:alpha val="70000"/>
+              </a:srgbClr>
+            </a:outerShdw>
+          </a:effectLst>
         </p:spPr>
       </p:pic>
     </p:spTree>
     <p:extLst>
       <p:ext uri="{BB962C8B-B14F-4D97-AF65-F5344CB8AC3E}">
-        <p14:creationId xmlns:p14="http://schemas.microsoft.com/office/powerpoint/2010/main" val="310648901"/>
+        <p14:creationId xmlns:p14="http://schemas.microsoft.com/office/powerpoint/2010/main" val="2482973439"/>
       </p:ext>
     </p:extLst>
   </p:cSld>
@@ -10663,12 +11412,18 @@
           </a:xfrm>
         </p:spPr>
         <p:txBody>
-          <a:bodyPr/>
-          <a:lstStyle/>
-          <a:p>
-            <a:r>
-              <a:rPr lang="es-ES" dirty="0" smtClean="0"/>
-              <a:t>4.- MODELO DE DATOS</a:t>
+          <a:bodyPr>
+            <a:normAutofit fontScale="90000"/>
+          </a:bodyPr>
+          <a:lstStyle/>
+          <a:p>
+            <a:r>
+              <a:rPr lang="es-ES" sz="4000" dirty="0" smtClean="0"/>
+              <a:t>3.- ANÁLISIS. </a:t>
+            </a:r>
+            <a:r>
+              <a:rPr lang="es-ES" sz="3100" dirty="0" smtClean="0"/>
+              <a:t>Casos de Usos.</a:t>
             </a:r>
             <a:endParaRPr lang="es-ES" dirty="0"/>
           </a:p>
@@ -10802,7 +11557,7 @@
       </p:sp>
       <p:pic>
         <p:nvPicPr>
-          <p:cNvPr id="6" name="Imagen 5"/>
+          <p:cNvPr id="3" name="Imagen 2"/>
           <p:cNvPicPr>
             <a:picLocks noChangeAspect="1"/>
           </p:cNvPicPr>
@@ -10822,18 +11577,108 @@
         </p:blipFill>
         <p:spPr>
           <a:xfrm>
-            <a:off x="2752403" y="1275008"/>
-            <a:ext cx="8172556" cy="5482290"/>
+            <a:off x="1592326" y="1275008"/>
+            <a:ext cx="3146181" cy="2520000"/>
           </a:xfrm>
           <a:prstGeom prst="rect">
             <a:avLst/>
           </a:prstGeom>
+          <a:ln>
+            <a:noFill/>
+          </a:ln>
+          <a:effectLst>
+            <a:outerShdw blurRad="190500" algn="tl" rotWithShape="0">
+              <a:srgbClr val="000000">
+                <a:alpha val="70000"/>
+              </a:srgbClr>
+            </a:outerShdw>
+          </a:effectLst>
+        </p:spPr>
+      </p:pic>
+      <p:pic>
+        <p:nvPicPr>
+          <p:cNvPr id="12" name="Imagen 11"/>
+          <p:cNvPicPr>
+            <a:picLocks noChangeAspect="1"/>
+          </p:cNvPicPr>
+          <p:nvPr/>
+        </p:nvPicPr>
+        <p:blipFill>
+          <a:blip r:embed="rId5">
+            <a:extLst>
+              <a:ext uri="{28A0092B-C50C-407E-A947-70E740481C1C}">
+                <a14:useLocalDpi xmlns:a14="http://schemas.microsoft.com/office/drawing/2010/main" val="0"/>
+              </a:ext>
+            </a:extLst>
+          </a:blip>
+          <a:stretch>
+            <a:fillRect/>
+          </a:stretch>
+        </p:blipFill>
+        <p:spPr>
+          <a:xfrm>
+            <a:off x="7266086" y="1275008"/>
+            <a:ext cx="3752675" cy="2520000"/>
+          </a:xfrm>
+          <a:prstGeom prst="rect">
+            <a:avLst/>
+          </a:prstGeom>
+          <a:ln>
+            <a:noFill/>
+          </a:ln>
+          <a:effectLst>
+            <a:outerShdw blurRad="190500" algn="tl" rotWithShape="0">
+              <a:srgbClr val="000000">
+                <a:alpha val="70000"/>
+              </a:srgbClr>
+            </a:outerShdw>
+          </a:effectLst>
+        </p:spPr>
+      </p:pic>
+      <p:pic>
+        <p:nvPicPr>
+          <p:cNvPr id="13" name="Imagen 12"/>
+          <p:cNvPicPr>
+            <a:picLocks noChangeAspect="1"/>
+          </p:cNvPicPr>
+          <p:nvPr/>
+        </p:nvPicPr>
+        <p:blipFill>
+          <a:blip r:embed="rId6">
+            <a:extLst>
+              <a:ext uri="{28A0092B-C50C-407E-A947-70E740481C1C}">
+                <a14:useLocalDpi xmlns:a14="http://schemas.microsoft.com/office/drawing/2010/main" val="0"/>
+              </a:ext>
+            </a:extLst>
+          </a:blip>
+          <a:stretch>
+            <a:fillRect/>
+          </a:stretch>
+        </p:blipFill>
+        <p:spPr>
+          <a:xfrm>
+            <a:off x="3526026" y="4037238"/>
+            <a:ext cx="5230032" cy="2520000"/>
+          </a:xfrm>
+          <a:prstGeom prst="rect">
+            <a:avLst/>
+          </a:prstGeom>
+          <a:ln>
+            <a:noFill/>
+          </a:ln>
+          <a:effectLst>
+            <a:outerShdw blurRad="190500" algn="tl" rotWithShape="0">
+              <a:srgbClr val="000000">
+                <a:alpha val="70000"/>
+              </a:srgbClr>
+            </a:outerShdw>
+          </a:effectLst>
         </p:spPr>
       </p:pic>
     </p:spTree>
     <p:extLst>
       <p:ext uri="{BB962C8B-B14F-4D97-AF65-F5344CB8AC3E}">
-        <p14:creationId xmlns:p14="http://schemas.microsoft.com/office/powerpoint/2010/main" val="1002539597"/>
+        <p14:creationId xmlns:p14="http://schemas.microsoft.com/office/powerpoint/2010/main" val="2417604102"/>
       </p:ext>
     </p:extLst>
   </p:cSld>
@@ -10890,186 +11735,14 @@
           <a:lstStyle/>
           <a:p>
             <a:r>
-              <a:rPr lang="es-ES" sz="4000" dirty="0"/>
-              <a:t>5</a:t>
-            </a:r>
-            <a:r>
               <a:rPr lang="es-ES" sz="4000" dirty="0" smtClean="0"/>
-              <a:t>.- TECNOLOGÍAS</a:t>
+              <a:t>3.- ANÁLISIS. </a:t>
+            </a:r>
+            <a:r>
+              <a:rPr lang="es-ES" sz="3100" dirty="0" smtClean="0"/>
+              <a:t>Prototipos Módulo de Administración.</a:t>
             </a:r>
             <a:endParaRPr lang="es-ES" dirty="0"/>
-          </a:p>
-        </p:txBody>
-      </p:sp>
-      <p:sp>
-        <p:nvSpPr>
-          <p:cNvPr id="3" name="Marcador de contenido 2"/>
-          <p:cNvSpPr>
-            <a:spLocks noGrp="1"/>
-          </p:cNvSpPr>
-          <p:nvPr>
-            <p:ph idx="1"/>
-          </p:nvPr>
-        </p:nvSpPr>
-        <p:spPr>
-          <a:xfrm>
-            <a:off x="1790163" y="1388118"/>
-            <a:ext cx="10097037" cy="5192986"/>
-          </a:xfrm>
-        </p:spPr>
-        <p:txBody>
-          <a:bodyPr>
-            <a:normAutofit/>
-          </a:bodyPr>
-          <a:lstStyle/>
-          <a:p>
-            <a:r>
-              <a:rPr lang="es-ES" b="1" dirty="0" smtClean="0"/>
-              <a:t>Software libre</a:t>
-            </a:r>
-          </a:p>
-          <a:p>
-            <a:r>
-              <a:rPr lang="es-ES" b="1" dirty="0" smtClean="0"/>
-              <a:t> CLIENTE</a:t>
-            </a:r>
-          </a:p>
-          <a:p>
-            <a:pPr marL="0" indent="0">
-              <a:buNone/>
-            </a:pPr>
-            <a:r>
-              <a:rPr lang="es-ES" b="1" dirty="0" smtClean="0"/>
-              <a:t>                		HTML </a:t>
-            </a:r>
-            <a:r>
-              <a:rPr lang="es-ES" b="1" dirty="0" smtClean="0">
-                <a:sym typeface="Wingdings" panose="05000000000000000000" pitchFamily="2" charset="2"/>
-              </a:rPr>
-              <a:t> </a:t>
-            </a:r>
-            <a:r>
-              <a:rPr lang="es-ES" b="1" dirty="0" smtClean="0"/>
-              <a:t>		       CSS </a:t>
-            </a:r>
-            <a:r>
-              <a:rPr lang="es-ES" b="1" dirty="0" smtClean="0">
-                <a:sym typeface="Wingdings" panose="05000000000000000000" pitchFamily="2" charset="2"/>
-              </a:rPr>
-              <a:t> </a:t>
-            </a:r>
-            <a:r>
-              <a:rPr lang="es-ES" b="1" dirty="0">
-                <a:sym typeface="Wingdings" panose="05000000000000000000" pitchFamily="2" charset="2"/>
-              </a:rPr>
-              <a:t> </a:t>
-            </a:r>
-            <a:r>
-              <a:rPr lang="es-ES" b="1" dirty="0" smtClean="0">
-                <a:sym typeface="Wingdings" panose="05000000000000000000" pitchFamily="2" charset="2"/>
-              </a:rPr>
-              <a:t>            J</a:t>
-            </a:r>
-            <a:r>
-              <a:rPr lang="es-ES" b="1" dirty="0" smtClean="0"/>
-              <a:t>avaScript </a:t>
-            </a:r>
-            <a:r>
-              <a:rPr lang="es-ES" b="1" dirty="0" smtClean="0">
-                <a:sym typeface="Wingdings" panose="05000000000000000000" pitchFamily="2" charset="2"/>
-              </a:rPr>
-              <a:t></a:t>
-            </a:r>
-            <a:r>
-              <a:rPr lang="es-ES" b="1" dirty="0" smtClean="0"/>
-              <a:t>              </a:t>
-            </a:r>
-          </a:p>
-          <a:p>
-            <a:pPr marL="0" indent="0">
-              <a:buNone/>
-            </a:pPr>
-            <a:endParaRPr lang="es-ES" b="1" dirty="0"/>
-          </a:p>
-          <a:p>
-            <a:pPr marL="0" indent="0">
-              <a:buNone/>
-            </a:pPr>
-            <a:endParaRPr lang="es-ES" b="1" dirty="0" smtClean="0"/>
-          </a:p>
-          <a:p>
-            <a:pPr marL="0" indent="0">
-              <a:buNone/>
-            </a:pPr>
-            <a:r>
-              <a:rPr lang="es-ES" b="1" dirty="0" smtClean="0"/>
-              <a:t>					Bootstrap </a:t>
-            </a:r>
-            <a:r>
-              <a:rPr lang="es-ES" b="1" dirty="0" smtClean="0">
-                <a:sym typeface="Wingdings" panose="05000000000000000000" pitchFamily="2" charset="2"/>
-              </a:rPr>
-              <a:t> 		</a:t>
-            </a:r>
-            <a:r>
-              <a:rPr lang="es-ES" b="1" dirty="0">
-                <a:sym typeface="Wingdings" panose="05000000000000000000" pitchFamily="2" charset="2"/>
-              </a:rPr>
-              <a:t> </a:t>
-            </a:r>
-            <a:r>
-              <a:rPr lang="es-ES" b="1" dirty="0" smtClean="0">
-                <a:sym typeface="Wingdings" panose="05000000000000000000" pitchFamily="2" charset="2"/>
-              </a:rPr>
-              <a:t>    jQuery  </a:t>
-            </a:r>
-            <a:endParaRPr lang="es-ES" b="1" dirty="0"/>
-          </a:p>
-          <a:p>
-            <a:pPr marL="0" indent="0">
-              <a:buNone/>
-            </a:pPr>
-            <a:endParaRPr lang="es-ES" b="1" dirty="0" smtClean="0"/>
-          </a:p>
-          <a:p>
-            <a:r>
-              <a:rPr lang="es-ES" b="1" dirty="0" smtClean="0"/>
-              <a:t>SERVIDOR</a:t>
-            </a:r>
-          </a:p>
-          <a:p>
-            <a:pPr marL="0" indent="0">
-              <a:buNone/>
-            </a:pPr>
-            <a:endParaRPr lang="es-ES" b="1" dirty="0" smtClean="0"/>
-          </a:p>
-          <a:p>
-            <a:pPr marL="0" indent="0">
-              <a:buNone/>
-            </a:pPr>
-            <a:r>
-              <a:rPr lang="es-ES" b="1" dirty="0" smtClean="0"/>
-              <a:t>Servidor Apache </a:t>
-            </a:r>
-            <a:r>
-              <a:rPr lang="es-ES" b="1" dirty="0" smtClean="0">
-                <a:sym typeface="Wingdings" panose="05000000000000000000" pitchFamily="2" charset="2"/>
-              </a:rPr>
-              <a:t>				  PHP                               </a:t>
-            </a:r>
-            <a:r>
-              <a:rPr lang="es-ES" b="1" dirty="0" err="1" smtClean="0">
-                <a:sym typeface="Wingdings" panose="05000000000000000000" pitchFamily="2" charset="2"/>
-              </a:rPr>
-              <a:t>MySQL</a:t>
-            </a:r>
-            <a:r>
-              <a:rPr lang="es-ES" b="1" dirty="0" smtClean="0">
-                <a:sym typeface="Wingdings" panose="05000000000000000000" pitchFamily="2" charset="2"/>
-              </a:rPr>
-              <a:t>   </a:t>
-            </a:r>
-            <a:endParaRPr lang="es-ES" b="1" dirty="0"/>
           </a:p>
         </p:txBody>
       </p:sp>
@@ -11201,6 +11874,1199 @@
       </p:sp>
       <p:pic>
         <p:nvPicPr>
+          <p:cNvPr id="5" name="Imagen 4"/>
+          <p:cNvPicPr>
+            <a:picLocks noChangeAspect="1"/>
+          </p:cNvPicPr>
+          <p:nvPr/>
+        </p:nvPicPr>
+        <p:blipFill>
+          <a:blip r:embed="rId4">
+            <a:extLst>
+              <a:ext uri="{28A0092B-C50C-407E-A947-70E740481C1C}">
+                <a14:useLocalDpi xmlns:a14="http://schemas.microsoft.com/office/drawing/2010/main" val="0"/>
+              </a:ext>
+            </a:extLst>
+          </a:blip>
+          <a:stretch>
+            <a:fillRect/>
+          </a:stretch>
+        </p:blipFill>
+        <p:spPr>
+          <a:xfrm>
+            <a:off x="1790163" y="1275008"/>
+            <a:ext cx="3767187" cy="2592000"/>
+          </a:xfrm>
+          <a:prstGeom prst="rect">
+            <a:avLst/>
+          </a:prstGeom>
+          <a:ln>
+            <a:noFill/>
+          </a:ln>
+          <a:effectLst>
+            <a:outerShdw blurRad="190500" algn="tl" rotWithShape="0">
+              <a:srgbClr val="000000">
+                <a:alpha val="70000"/>
+              </a:srgbClr>
+            </a:outerShdw>
+          </a:effectLst>
+        </p:spPr>
+      </p:pic>
+      <p:pic>
+        <p:nvPicPr>
+          <p:cNvPr id="9" name="Imagen 8"/>
+          <p:cNvPicPr>
+            <a:picLocks noChangeAspect="1"/>
+          </p:cNvPicPr>
+          <p:nvPr/>
+        </p:nvPicPr>
+        <p:blipFill>
+          <a:blip r:embed="rId5">
+            <a:extLst>
+              <a:ext uri="{28A0092B-C50C-407E-A947-70E740481C1C}">
+                <a14:useLocalDpi xmlns:a14="http://schemas.microsoft.com/office/drawing/2010/main" val="0"/>
+              </a:ext>
+            </a:extLst>
+          </a:blip>
+          <a:stretch>
+            <a:fillRect/>
+          </a:stretch>
+        </p:blipFill>
+        <p:spPr>
+          <a:xfrm>
+            <a:off x="7118740" y="1275008"/>
+            <a:ext cx="3767186" cy="2592000"/>
+          </a:xfrm>
+          <a:prstGeom prst="rect">
+            <a:avLst/>
+          </a:prstGeom>
+          <a:ln>
+            <a:noFill/>
+          </a:ln>
+          <a:effectLst>
+            <a:outerShdw blurRad="190500" algn="tl" rotWithShape="0">
+              <a:srgbClr val="000000">
+                <a:alpha val="70000"/>
+              </a:srgbClr>
+            </a:outerShdw>
+          </a:effectLst>
+        </p:spPr>
+      </p:pic>
+      <p:pic>
+        <p:nvPicPr>
+          <p:cNvPr id="10" name="Imagen 9"/>
+          <p:cNvPicPr>
+            <a:picLocks noChangeAspect="1"/>
+          </p:cNvPicPr>
+          <p:nvPr/>
+        </p:nvPicPr>
+        <p:blipFill>
+          <a:blip r:embed="rId6">
+            <a:extLst>
+              <a:ext uri="{28A0092B-C50C-407E-A947-70E740481C1C}">
+                <a14:useLocalDpi xmlns:a14="http://schemas.microsoft.com/office/drawing/2010/main" val="0"/>
+              </a:ext>
+            </a:extLst>
+          </a:blip>
+          <a:stretch>
+            <a:fillRect/>
+          </a:stretch>
+        </p:blipFill>
+        <p:spPr>
+          <a:xfrm>
+            <a:off x="1790163" y="4121231"/>
+            <a:ext cx="4195525" cy="2592000"/>
+          </a:xfrm>
+          <a:prstGeom prst="rect">
+            <a:avLst/>
+          </a:prstGeom>
+          <a:ln>
+            <a:noFill/>
+          </a:ln>
+          <a:effectLst>
+            <a:outerShdw blurRad="190500" algn="tl" rotWithShape="0">
+              <a:srgbClr val="000000">
+                <a:alpha val="70000"/>
+              </a:srgbClr>
+            </a:outerShdw>
+          </a:effectLst>
+        </p:spPr>
+      </p:pic>
+      <p:pic>
+        <p:nvPicPr>
+          <p:cNvPr id="14" name="Imagen 13"/>
+          <p:cNvPicPr>
+            <a:picLocks noChangeAspect="1"/>
+          </p:cNvPicPr>
+          <p:nvPr/>
+        </p:nvPicPr>
+        <p:blipFill>
+          <a:blip r:embed="rId7">
+            <a:extLst>
+              <a:ext uri="{28A0092B-C50C-407E-A947-70E740481C1C}">
+                <a14:useLocalDpi xmlns:a14="http://schemas.microsoft.com/office/drawing/2010/main" val="0"/>
+              </a:ext>
+            </a:extLst>
+          </a:blip>
+          <a:stretch>
+            <a:fillRect/>
+          </a:stretch>
+        </p:blipFill>
+        <p:spPr>
+          <a:xfrm>
+            <a:off x="7118740" y="4121231"/>
+            <a:ext cx="3767186" cy="2592000"/>
+          </a:xfrm>
+          <a:prstGeom prst="rect">
+            <a:avLst/>
+          </a:prstGeom>
+          <a:ln>
+            <a:noFill/>
+          </a:ln>
+          <a:effectLst>
+            <a:outerShdw blurRad="190500" algn="tl" rotWithShape="0">
+              <a:srgbClr val="000000">
+                <a:alpha val="70000"/>
+              </a:srgbClr>
+            </a:outerShdw>
+          </a:effectLst>
+        </p:spPr>
+      </p:pic>
+    </p:spTree>
+    <p:extLst>
+      <p:ext uri="{BB962C8B-B14F-4D97-AF65-F5344CB8AC3E}">
+        <p14:creationId xmlns:p14="http://schemas.microsoft.com/office/powerpoint/2010/main" val="3760699771"/>
+      </p:ext>
+    </p:extLst>
+  </p:cSld>
+  <p:clrMapOvr>
+    <a:masterClrMapping/>
+  </p:clrMapOvr>
+  <p:timing>
+    <p:tnLst>
+      <p:par>
+        <p:cTn id="1" dur="indefinite" restart="never" nodeType="tmRoot"/>
+      </p:par>
+    </p:tnLst>
+  </p:timing>
+</p:sld>
+</file>
+
+<file path=ppt/slides/slide14.xml><?xml version="1.0" encoding="utf-8"?>
+<p:sld xmlns:a="http://schemas.openxmlformats.org/drawingml/2006/main" xmlns:r="http://schemas.openxmlformats.org/officeDocument/2006/relationships" xmlns:p="http://schemas.openxmlformats.org/presentationml/2006/main">
+  <p:cSld>
+    <p:spTree>
+      <p:nvGrpSpPr>
+        <p:cNvPr id="1" name=""/>
+        <p:cNvGrpSpPr/>
+        <p:nvPr/>
+      </p:nvGrpSpPr>
+      <p:grpSpPr>
+        <a:xfrm>
+          <a:off x="0" y="0"/>
+          <a:ext cx="0" cy="0"/>
+          <a:chOff x="0" y="0"/>
+          <a:chExt cx="0" cy="0"/>
+        </a:xfrm>
+      </p:grpSpPr>
+      <p:sp>
+        <p:nvSpPr>
+          <p:cNvPr id="2" name="Título 1"/>
+          <p:cNvSpPr>
+            <a:spLocks noGrp="1"/>
+          </p:cNvSpPr>
+          <p:nvPr>
+            <p:ph type="title"/>
+          </p:nvPr>
+        </p:nvSpPr>
+        <p:spPr>
+          <a:xfrm>
+            <a:off x="1790163" y="624110"/>
+            <a:ext cx="10097038" cy="650898"/>
+          </a:xfrm>
+        </p:spPr>
+        <p:txBody>
+          <a:bodyPr>
+            <a:normAutofit fontScale="90000"/>
+          </a:bodyPr>
+          <a:lstStyle/>
+          <a:p>
+            <a:r>
+              <a:rPr lang="es-ES" sz="4000" dirty="0" smtClean="0"/>
+              <a:t>3.- ANÁLISIS. </a:t>
+            </a:r>
+            <a:r>
+              <a:rPr lang="es-ES" sz="3100" dirty="0" smtClean="0"/>
+              <a:t>Prototipos Módulo de Administración.</a:t>
+            </a:r>
+            <a:endParaRPr lang="es-ES" dirty="0"/>
+          </a:p>
+        </p:txBody>
+      </p:sp>
+      <p:sp>
+        <p:nvSpPr>
+          <p:cNvPr id="4" name="CuadroTexto 3"/>
+          <p:cNvSpPr txBox="1"/>
+          <p:nvPr/>
+        </p:nvSpPr>
+        <p:spPr>
+          <a:xfrm>
+            <a:off x="270456" y="141668"/>
+            <a:ext cx="2189409" cy="369332"/>
+          </a:xfrm>
+          <a:prstGeom prst="rect">
+            <a:avLst/>
+          </a:prstGeom>
+          <a:noFill/>
+        </p:spPr>
+        <p:txBody>
+          <a:bodyPr wrap="square" rtlCol="0">
+            <a:spAutoFit/>
+          </a:bodyPr>
+          <a:lstStyle/>
+          <a:p>
+            <a:r>
+              <a:rPr lang="es-ES" smtClean="0">
+                <a:ln w="0"/>
+                <a:effectLst>
+                  <a:outerShdw blurRad="38100" dist="19050" dir="2700000" algn="tl" rotWithShape="0">
+                    <a:schemeClr val="dk1">
+                      <a:alpha val="40000"/>
+                    </a:schemeClr>
+                  </a:outerShdw>
+                </a:effectLst>
+              </a:rPr>
+              <a:t>     Shops’ Admin</a:t>
+            </a:r>
+            <a:endParaRPr lang="es-ES">
+              <a:ln w="0"/>
+              <a:effectLst>
+                <a:outerShdw blurRad="38100" dist="19050" dir="2700000" algn="tl" rotWithShape="0">
+                  <a:schemeClr val="dk1">
+                    <a:alpha val="40000"/>
+                  </a:schemeClr>
+                </a:outerShdw>
+              </a:effectLst>
+            </a:endParaRPr>
+          </a:p>
+        </p:txBody>
+      </p:sp>
+      <p:pic>
+        <p:nvPicPr>
+          <p:cNvPr id="7" name="Marcador de contenido 4"/>
+          <p:cNvPicPr>
+            <a:picLocks noChangeAspect="1"/>
+          </p:cNvPicPr>
+          <p:nvPr/>
+        </p:nvPicPr>
+        <p:blipFill>
+          <a:blip r:embed="rId3">
+            <a:extLst>
+              <a:ext uri="{28A0092B-C50C-407E-A947-70E740481C1C}">
+                <a14:useLocalDpi xmlns:a14="http://schemas.microsoft.com/office/drawing/2010/main" val="0"/>
+              </a:ext>
+            </a:extLst>
+          </a:blip>
+          <a:stretch>
+            <a:fillRect/>
+          </a:stretch>
+        </p:blipFill>
+        <p:spPr>
+          <a:xfrm>
+            <a:off x="270456" y="141668"/>
+            <a:ext cx="369332" cy="369332"/>
+          </a:xfrm>
+          <a:prstGeom prst="rect">
+            <a:avLst/>
+          </a:prstGeom>
+        </p:spPr>
+      </p:pic>
+      <p:sp>
+        <p:nvSpPr>
+          <p:cNvPr id="8" name="CuadroTexto 7"/>
+          <p:cNvSpPr txBox="1"/>
+          <p:nvPr/>
+        </p:nvSpPr>
+        <p:spPr>
+          <a:xfrm>
+            <a:off x="9002333" y="141668"/>
+            <a:ext cx="2884867" cy="369332"/>
+          </a:xfrm>
+          <a:prstGeom prst="rect">
+            <a:avLst/>
+          </a:prstGeom>
+          <a:noFill/>
+        </p:spPr>
+        <p:txBody>
+          <a:bodyPr wrap="square" rtlCol="0">
+            <a:spAutoFit/>
+          </a:bodyPr>
+          <a:lstStyle/>
+          <a:p>
+            <a:r>
+              <a:rPr lang="es-ES" smtClean="0">
+                <a:ln w="0"/>
+                <a:effectLst>
+                  <a:outerShdw blurRad="38100" dist="19050" dir="2700000" algn="tl" rotWithShape="0">
+                    <a:schemeClr val="dk1">
+                      <a:alpha val="40000"/>
+                    </a:schemeClr>
+                  </a:outerShdw>
+                </a:effectLst>
+              </a:rPr>
+              <a:t>Isabel Mª Calvo Mateos</a:t>
+            </a:r>
+            <a:endParaRPr lang="es-ES">
+              <a:ln w="0"/>
+              <a:effectLst>
+                <a:outerShdw blurRad="38100" dist="19050" dir="2700000" algn="tl" rotWithShape="0">
+                  <a:schemeClr val="dk1">
+                    <a:alpha val="40000"/>
+                  </a:schemeClr>
+                </a:outerShdw>
+              </a:effectLst>
+            </a:endParaRPr>
+          </a:p>
+        </p:txBody>
+      </p:sp>
+      <p:pic>
+        <p:nvPicPr>
+          <p:cNvPr id="13" name="Imagen 12"/>
+          <p:cNvPicPr>
+            <a:picLocks noChangeAspect="1"/>
+          </p:cNvPicPr>
+          <p:nvPr/>
+        </p:nvPicPr>
+        <p:blipFill>
+          <a:blip r:embed="rId4">
+            <a:extLst>
+              <a:ext uri="{28A0092B-C50C-407E-A947-70E740481C1C}">
+                <a14:useLocalDpi xmlns:a14="http://schemas.microsoft.com/office/drawing/2010/main" val="0"/>
+              </a:ext>
+            </a:extLst>
+          </a:blip>
+          <a:stretch>
+            <a:fillRect/>
+          </a:stretch>
+        </p:blipFill>
+        <p:spPr>
+          <a:xfrm>
+            <a:off x="1790162" y="1422493"/>
+            <a:ext cx="3767186" cy="2592000"/>
+          </a:xfrm>
+          <a:prstGeom prst="rect">
+            <a:avLst/>
+          </a:prstGeom>
+          <a:ln>
+            <a:noFill/>
+          </a:ln>
+          <a:effectLst>
+            <a:outerShdw blurRad="190500" algn="tl" rotWithShape="0">
+              <a:srgbClr val="000000">
+                <a:alpha val="70000"/>
+              </a:srgbClr>
+            </a:outerShdw>
+          </a:effectLst>
+        </p:spPr>
+      </p:pic>
+      <p:pic>
+        <p:nvPicPr>
+          <p:cNvPr id="14" name="Imagen 13"/>
+          <p:cNvPicPr>
+            <a:picLocks noChangeAspect="1"/>
+          </p:cNvPicPr>
+          <p:nvPr/>
+        </p:nvPicPr>
+        <p:blipFill>
+          <a:blip r:embed="rId5">
+            <a:extLst>
+              <a:ext uri="{28A0092B-C50C-407E-A947-70E740481C1C}">
+                <a14:useLocalDpi xmlns:a14="http://schemas.microsoft.com/office/drawing/2010/main" val="0"/>
+              </a:ext>
+            </a:extLst>
+          </a:blip>
+          <a:stretch>
+            <a:fillRect/>
+          </a:stretch>
+        </p:blipFill>
+        <p:spPr>
+          <a:xfrm>
+            <a:off x="7233499" y="1422493"/>
+            <a:ext cx="3767187" cy="2592000"/>
+          </a:xfrm>
+          <a:prstGeom prst="rect">
+            <a:avLst/>
+          </a:prstGeom>
+          <a:ln>
+            <a:noFill/>
+          </a:ln>
+          <a:effectLst>
+            <a:outerShdw blurRad="190500" algn="tl" rotWithShape="0">
+              <a:srgbClr val="000000">
+                <a:alpha val="70000"/>
+              </a:srgbClr>
+            </a:outerShdw>
+          </a:effectLst>
+        </p:spPr>
+      </p:pic>
+      <p:pic>
+        <p:nvPicPr>
+          <p:cNvPr id="15" name="Imagen 14"/>
+          <p:cNvPicPr>
+            <a:picLocks noChangeAspect="1"/>
+          </p:cNvPicPr>
+          <p:nvPr/>
+        </p:nvPicPr>
+        <p:blipFill>
+          <a:blip r:embed="rId6">
+            <a:extLst>
+              <a:ext uri="{28A0092B-C50C-407E-A947-70E740481C1C}">
+                <a14:useLocalDpi xmlns:a14="http://schemas.microsoft.com/office/drawing/2010/main" val="0"/>
+              </a:ext>
+            </a:extLst>
+          </a:blip>
+          <a:stretch>
+            <a:fillRect/>
+          </a:stretch>
+        </p:blipFill>
+        <p:spPr>
+          <a:xfrm>
+            <a:off x="1790162" y="4161979"/>
+            <a:ext cx="3767187" cy="2592000"/>
+          </a:xfrm>
+          <a:prstGeom prst="rect">
+            <a:avLst/>
+          </a:prstGeom>
+          <a:ln>
+            <a:noFill/>
+          </a:ln>
+          <a:effectLst>
+            <a:outerShdw blurRad="190500" algn="tl" rotWithShape="0">
+              <a:srgbClr val="000000">
+                <a:alpha val="70000"/>
+              </a:srgbClr>
+            </a:outerShdw>
+          </a:effectLst>
+        </p:spPr>
+      </p:pic>
+      <p:pic>
+        <p:nvPicPr>
+          <p:cNvPr id="16" name="Imagen 15"/>
+          <p:cNvPicPr>
+            <a:picLocks noChangeAspect="1"/>
+          </p:cNvPicPr>
+          <p:nvPr/>
+        </p:nvPicPr>
+        <p:blipFill>
+          <a:blip r:embed="rId7">
+            <a:extLst>
+              <a:ext uri="{28A0092B-C50C-407E-A947-70E740481C1C}">
+                <a14:useLocalDpi xmlns:a14="http://schemas.microsoft.com/office/drawing/2010/main" val="0"/>
+              </a:ext>
+            </a:extLst>
+          </a:blip>
+          <a:stretch>
+            <a:fillRect/>
+          </a:stretch>
+        </p:blipFill>
+        <p:spPr>
+          <a:xfrm>
+            <a:off x="7233499" y="4161979"/>
+            <a:ext cx="3767187" cy="2592000"/>
+          </a:xfrm>
+          <a:prstGeom prst="rect">
+            <a:avLst/>
+          </a:prstGeom>
+          <a:ln>
+            <a:noFill/>
+          </a:ln>
+          <a:effectLst>
+            <a:outerShdw blurRad="190500" algn="tl" rotWithShape="0">
+              <a:srgbClr val="000000">
+                <a:alpha val="70000"/>
+              </a:srgbClr>
+            </a:outerShdw>
+          </a:effectLst>
+        </p:spPr>
+      </p:pic>
+    </p:spTree>
+    <p:extLst>
+      <p:ext uri="{BB962C8B-B14F-4D97-AF65-F5344CB8AC3E}">
+        <p14:creationId xmlns:p14="http://schemas.microsoft.com/office/powerpoint/2010/main" val="2430985335"/>
+      </p:ext>
+    </p:extLst>
+  </p:cSld>
+  <p:clrMapOvr>
+    <a:masterClrMapping/>
+  </p:clrMapOvr>
+  <p:timing>
+    <p:tnLst>
+      <p:par>
+        <p:cTn id="1" dur="indefinite" restart="never" nodeType="tmRoot"/>
+      </p:par>
+    </p:tnLst>
+  </p:timing>
+</p:sld>
+</file>
+
+<file path=ppt/slides/slide15.xml><?xml version="1.0" encoding="utf-8"?>
+<p:sld xmlns:a="http://schemas.openxmlformats.org/drawingml/2006/main" xmlns:r="http://schemas.openxmlformats.org/officeDocument/2006/relationships" xmlns:p="http://schemas.openxmlformats.org/presentationml/2006/main">
+  <p:cSld>
+    <p:spTree>
+      <p:nvGrpSpPr>
+        <p:cNvPr id="1" name=""/>
+        <p:cNvGrpSpPr/>
+        <p:nvPr/>
+      </p:nvGrpSpPr>
+      <p:grpSpPr>
+        <a:xfrm>
+          <a:off x="0" y="0"/>
+          <a:ext cx="0" cy="0"/>
+          <a:chOff x="0" y="0"/>
+          <a:chExt cx="0" cy="0"/>
+        </a:xfrm>
+      </p:grpSpPr>
+      <p:sp>
+        <p:nvSpPr>
+          <p:cNvPr id="2" name="Título 1"/>
+          <p:cNvSpPr>
+            <a:spLocks noGrp="1"/>
+          </p:cNvSpPr>
+          <p:nvPr>
+            <p:ph type="title"/>
+          </p:nvPr>
+        </p:nvSpPr>
+        <p:spPr>
+          <a:xfrm>
+            <a:off x="1790163" y="624110"/>
+            <a:ext cx="10097038" cy="650898"/>
+          </a:xfrm>
+        </p:spPr>
+        <p:txBody>
+          <a:bodyPr>
+            <a:normAutofit fontScale="90000"/>
+          </a:bodyPr>
+          <a:lstStyle/>
+          <a:p>
+            <a:r>
+              <a:rPr lang="es-ES" sz="4000" dirty="0" smtClean="0"/>
+              <a:t>3.- ANÁLISIS. </a:t>
+            </a:r>
+            <a:r>
+              <a:rPr lang="es-ES" sz="3100" dirty="0" smtClean="0"/>
+              <a:t>Prototipos Módulo de Venta.</a:t>
+            </a:r>
+            <a:endParaRPr lang="es-ES" dirty="0"/>
+          </a:p>
+        </p:txBody>
+      </p:sp>
+      <p:sp>
+        <p:nvSpPr>
+          <p:cNvPr id="4" name="CuadroTexto 3"/>
+          <p:cNvSpPr txBox="1"/>
+          <p:nvPr/>
+        </p:nvSpPr>
+        <p:spPr>
+          <a:xfrm>
+            <a:off x="270456" y="141668"/>
+            <a:ext cx="2189409" cy="369332"/>
+          </a:xfrm>
+          <a:prstGeom prst="rect">
+            <a:avLst/>
+          </a:prstGeom>
+          <a:noFill/>
+        </p:spPr>
+        <p:txBody>
+          <a:bodyPr wrap="square" rtlCol="0">
+            <a:spAutoFit/>
+          </a:bodyPr>
+          <a:lstStyle/>
+          <a:p>
+            <a:r>
+              <a:rPr lang="es-ES" smtClean="0">
+                <a:ln w="0"/>
+                <a:effectLst>
+                  <a:outerShdw blurRad="38100" dist="19050" dir="2700000" algn="tl" rotWithShape="0">
+                    <a:schemeClr val="dk1">
+                      <a:alpha val="40000"/>
+                    </a:schemeClr>
+                  </a:outerShdw>
+                </a:effectLst>
+              </a:rPr>
+              <a:t>     Shops’ Admin</a:t>
+            </a:r>
+            <a:endParaRPr lang="es-ES">
+              <a:ln w="0"/>
+              <a:effectLst>
+                <a:outerShdw blurRad="38100" dist="19050" dir="2700000" algn="tl" rotWithShape="0">
+                  <a:schemeClr val="dk1">
+                    <a:alpha val="40000"/>
+                  </a:schemeClr>
+                </a:outerShdw>
+              </a:effectLst>
+            </a:endParaRPr>
+          </a:p>
+        </p:txBody>
+      </p:sp>
+      <p:pic>
+        <p:nvPicPr>
+          <p:cNvPr id="7" name="Marcador de contenido 4"/>
+          <p:cNvPicPr>
+            <a:picLocks noChangeAspect="1"/>
+          </p:cNvPicPr>
+          <p:nvPr/>
+        </p:nvPicPr>
+        <p:blipFill>
+          <a:blip r:embed="rId3">
+            <a:extLst>
+              <a:ext uri="{28A0092B-C50C-407E-A947-70E740481C1C}">
+                <a14:useLocalDpi xmlns:a14="http://schemas.microsoft.com/office/drawing/2010/main" val="0"/>
+              </a:ext>
+            </a:extLst>
+          </a:blip>
+          <a:stretch>
+            <a:fillRect/>
+          </a:stretch>
+        </p:blipFill>
+        <p:spPr>
+          <a:xfrm>
+            <a:off x="270456" y="141668"/>
+            <a:ext cx="369332" cy="369332"/>
+          </a:xfrm>
+          <a:prstGeom prst="rect">
+            <a:avLst/>
+          </a:prstGeom>
+        </p:spPr>
+      </p:pic>
+      <p:sp>
+        <p:nvSpPr>
+          <p:cNvPr id="8" name="CuadroTexto 7"/>
+          <p:cNvSpPr txBox="1"/>
+          <p:nvPr/>
+        </p:nvSpPr>
+        <p:spPr>
+          <a:xfrm>
+            <a:off x="9002333" y="141668"/>
+            <a:ext cx="2884867" cy="369332"/>
+          </a:xfrm>
+          <a:prstGeom prst="rect">
+            <a:avLst/>
+          </a:prstGeom>
+          <a:noFill/>
+        </p:spPr>
+        <p:txBody>
+          <a:bodyPr wrap="square" rtlCol="0">
+            <a:spAutoFit/>
+          </a:bodyPr>
+          <a:lstStyle/>
+          <a:p>
+            <a:r>
+              <a:rPr lang="es-ES" smtClean="0">
+                <a:ln w="0"/>
+                <a:effectLst>
+                  <a:outerShdw blurRad="38100" dist="19050" dir="2700000" algn="tl" rotWithShape="0">
+                    <a:schemeClr val="dk1">
+                      <a:alpha val="40000"/>
+                    </a:schemeClr>
+                  </a:outerShdw>
+                </a:effectLst>
+              </a:rPr>
+              <a:t>Isabel Mª Calvo Mateos</a:t>
+            </a:r>
+            <a:endParaRPr lang="es-ES">
+              <a:ln w="0"/>
+              <a:effectLst>
+                <a:outerShdw blurRad="38100" dist="19050" dir="2700000" algn="tl" rotWithShape="0">
+                  <a:schemeClr val="dk1">
+                    <a:alpha val="40000"/>
+                  </a:schemeClr>
+                </a:outerShdw>
+              </a:effectLst>
+            </a:endParaRPr>
+          </a:p>
+        </p:txBody>
+      </p:sp>
+      <p:pic>
+        <p:nvPicPr>
+          <p:cNvPr id="5" name="Imagen 4"/>
+          <p:cNvPicPr>
+            <a:picLocks noChangeAspect="1"/>
+          </p:cNvPicPr>
+          <p:nvPr/>
+        </p:nvPicPr>
+        <p:blipFill>
+          <a:blip r:embed="rId4">
+            <a:extLst>
+              <a:ext uri="{28A0092B-C50C-407E-A947-70E740481C1C}">
+                <a14:useLocalDpi xmlns:a14="http://schemas.microsoft.com/office/drawing/2010/main" val="0"/>
+              </a:ext>
+            </a:extLst>
+          </a:blip>
+          <a:stretch>
+            <a:fillRect/>
+          </a:stretch>
+        </p:blipFill>
+        <p:spPr>
+          <a:xfrm>
+            <a:off x="7121485" y="1388118"/>
+            <a:ext cx="3761695" cy="2592000"/>
+          </a:xfrm>
+          <a:prstGeom prst="rect">
+            <a:avLst/>
+          </a:prstGeom>
+          <a:ln>
+            <a:noFill/>
+          </a:ln>
+          <a:effectLst>
+            <a:outerShdw blurRad="190500" algn="tl" rotWithShape="0">
+              <a:srgbClr val="000000">
+                <a:alpha val="70000"/>
+              </a:srgbClr>
+            </a:outerShdw>
+          </a:effectLst>
+        </p:spPr>
+      </p:pic>
+      <p:pic>
+        <p:nvPicPr>
+          <p:cNvPr id="9" name="Imagen 8"/>
+          <p:cNvPicPr>
+            <a:picLocks noChangeAspect="1"/>
+          </p:cNvPicPr>
+          <p:nvPr/>
+        </p:nvPicPr>
+        <p:blipFill>
+          <a:blip r:embed="rId5">
+            <a:extLst>
+              <a:ext uri="{28A0092B-C50C-407E-A947-70E740481C1C}">
+                <a14:useLocalDpi xmlns:a14="http://schemas.microsoft.com/office/drawing/2010/main" val="0"/>
+              </a:ext>
+            </a:extLst>
+          </a:blip>
+          <a:stretch>
+            <a:fillRect/>
+          </a:stretch>
+        </p:blipFill>
+        <p:spPr>
+          <a:xfrm>
+            <a:off x="7121485" y="4093228"/>
+            <a:ext cx="3761694" cy="2592000"/>
+          </a:xfrm>
+          <a:prstGeom prst="rect">
+            <a:avLst/>
+          </a:prstGeom>
+          <a:ln>
+            <a:noFill/>
+          </a:ln>
+          <a:effectLst>
+            <a:outerShdw blurRad="190500" algn="tl" rotWithShape="0">
+              <a:srgbClr val="000000">
+                <a:alpha val="70000"/>
+              </a:srgbClr>
+            </a:outerShdw>
+          </a:effectLst>
+        </p:spPr>
+      </p:pic>
+      <p:pic>
+        <p:nvPicPr>
+          <p:cNvPr id="10" name="Imagen 9"/>
+          <p:cNvPicPr>
+            <a:picLocks noChangeAspect="1"/>
+          </p:cNvPicPr>
+          <p:nvPr/>
+        </p:nvPicPr>
+        <p:blipFill>
+          <a:blip r:embed="rId6">
+            <a:extLst>
+              <a:ext uri="{28A0092B-C50C-407E-A947-70E740481C1C}">
+                <a14:useLocalDpi xmlns:a14="http://schemas.microsoft.com/office/drawing/2010/main" val="0"/>
+              </a:ext>
+            </a:extLst>
+          </a:blip>
+          <a:stretch>
+            <a:fillRect/>
+          </a:stretch>
+        </p:blipFill>
+        <p:spPr>
+          <a:xfrm>
+            <a:off x="1790161" y="1388118"/>
+            <a:ext cx="3761695" cy="2592000"/>
+          </a:xfrm>
+          <a:prstGeom prst="rect">
+            <a:avLst/>
+          </a:prstGeom>
+          <a:ln>
+            <a:noFill/>
+          </a:ln>
+          <a:effectLst>
+            <a:outerShdw blurRad="190500" algn="tl" rotWithShape="0">
+              <a:srgbClr val="000000">
+                <a:alpha val="70000"/>
+              </a:srgbClr>
+            </a:outerShdw>
+          </a:effectLst>
+        </p:spPr>
+      </p:pic>
+      <p:pic>
+        <p:nvPicPr>
+          <p:cNvPr id="3" name="Imagen 2"/>
+          <p:cNvPicPr>
+            <a:picLocks noChangeAspect="1"/>
+          </p:cNvPicPr>
+          <p:nvPr/>
+        </p:nvPicPr>
+        <p:blipFill>
+          <a:blip r:embed="rId7">
+            <a:extLst>
+              <a:ext uri="{28A0092B-C50C-407E-A947-70E740481C1C}">
+                <a14:useLocalDpi xmlns:a14="http://schemas.microsoft.com/office/drawing/2010/main" val="0"/>
+              </a:ext>
+            </a:extLst>
+          </a:blip>
+          <a:stretch>
+            <a:fillRect/>
+          </a:stretch>
+        </p:blipFill>
+        <p:spPr>
+          <a:xfrm>
+            <a:off x="1790161" y="4093228"/>
+            <a:ext cx="3761695" cy="2592000"/>
+          </a:xfrm>
+          <a:prstGeom prst="rect">
+            <a:avLst/>
+          </a:prstGeom>
+          <a:ln>
+            <a:noFill/>
+          </a:ln>
+          <a:effectLst>
+            <a:outerShdw blurRad="190500" algn="tl" rotWithShape="0">
+              <a:srgbClr val="000000">
+                <a:alpha val="70000"/>
+              </a:srgbClr>
+            </a:outerShdw>
+          </a:effectLst>
+        </p:spPr>
+      </p:pic>
+    </p:spTree>
+    <p:extLst>
+      <p:ext uri="{BB962C8B-B14F-4D97-AF65-F5344CB8AC3E}">
+        <p14:creationId xmlns:p14="http://schemas.microsoft.com/office/powerpoint/2010/main" val="1870535220"/>
+      </p:ext>
+    </p:extLst>
+  </p:cSld>
+  <p:clrMapOvr>
+    <a:masterClrMapping/>
+  </p:clrMapOvr>
+  <p:timing>
+    <p:tnLst>
+      <p:par>
+        <p:cTn id="1" dur="indefinite" restart="never" nodeType="tmRoot"/>
+      </p:par>
+    </p:tnLst>
+  </p:timing>
+</p:sld>
+</file>
+
+<file path=ppt/slides/slide16.xml><?xml version="1.0" encoding="utf-8"?>
+<p:sld xmlns:a="http://schemas.openxmlformats.org/drawingml/2006/main" xmlns:r="http://schemas.openxmlformats.org/officeDocument/2006/relationships" xmlns:p="http://schemas.openxmlformats.org/presentationml/2006/main">
+  <p:cSld>
+    <p:spTree>
+      <p:nvGrpSpPr>
+        <p:cNvPr id="1" name=""/>
+        <p:cNvGrpSpPr/>
+        <p:nvPr/>
+      </p:nvGrpSpPr>
+      <p:grpSpPr>
+        <a:xfrm>
+          <a:off x="0" y="0"/>
+          <a:ext cx="0" cy="0"/>
+          <a:chOff x="0" y="0"/>
+          <a:chExt cx="0" cy="0"/>
+        </a:xfrm>
+      </p:grpSpPr>
+      <p:sp>
+        <p:nvSpPr>
+          <p:cNvPr id="2" name="Título 1"/>
+          <p:cNvSpPr>
+            <a:spLocks noGrp="1"/>
+          </p:cNvSpPr>
+          <p:nvPr>
+            <p:ph type="title"/>
+          </p:nvPr>
+        </p:nvSpPr>
+        <p:spPr>
+          <a:xfrm>
+            <a:off x="1790163" y="624110"/>
+            <a:ext cx="10097038" cy="650898"/>
+          </a:xfrm>
+        </p:spPr>
+        <p:txBody>
+          <a:bodyPr>
+            <a:normAutofit fontScale="90000"/>
+          </a:bodyPr>
+          <a:lstStyle/>
+          <a:p>
+            <a:r>
+              <a:rPr lang="es-ES" sz="4000" dirty="0" smtClean="0"/>
+              <a:t>3.- ANÁLISIS. </a:t>
+            </a:r>
+            <a:r>
+              <a:rPr lang="es-ES" sz="3100" dirty="0" smtClean="0"/>
+              <a:t>Requisitos no funcionales.</a:t>
+            </a:r>
+            <a:endParaRPr lang="es-ES" dirty="0"/>
+          </a:p>
+        </p:txBody>
+      </p:sp>
+      <p:sp>
+        <p:nvSpPr>
+          <p:cNvPr id="3" name="Marcador de contenido 2"/>
+          <p:cNvSpPr>
+            <a:spLocks noGrp="1"/>
+          </p:cNvSpPr>
+          <p:nvPr>
+            <p:ph idx="1"/>
+          </p:nvPr>
+        </p:nvSpPr>
+        <p:spPr>
+          <a:xfrm>
+            <a:off x="1790163" y="1388118"/>
+            <a:ext cx="7896455" cy="5192986"/>
+          </a:xfrm>
+        </p:spPr>
+        <p:txBody>
+          <a:bodyPr>
+            <a:normAutofit/>
+          </a:bodyPr>
+          <a:lstStyle/>
+          <a:p>
+            <a:r>
+              <a:rPr lang="es-ES" dirty="0" smtClean="0"/>
+              <a:t>Debe estar </a:t>
+            </a:r>
+            <a:r>
+              <a:rPr lang="es-ES" b="1" dirty="0" smtClean="0"/>
+              <a:t>disponible</a:t>
+            </a:r>
+            <a:r>
+              <a:rPr lang="es-ES" dirty="0" smtClean="0"/>
+              <a:t> desde cualquier navegador.</a:t>
+            </a:r>
+          </a:p>
+          <a:p>
+            <a:endParaRPr lang="es-ES" dirty="0" smtClean="0"/>
+          </a:p>
+          <a:p>
+            <a:endParaRPr lang="es-ES" dirty="0" smtClean="0"/>
+          </a:p>
+          <a:p>
+            <a:r>
+              <a:rPr lang="es-ES" dirty="0" smtClean="0"/>
+              <a:t>Se </a:t>
+            </a:r>
+            <a:r>
+              <a:rPr lang="es-ES" dirty="0"/>
+              <a:t>utilizará un diseño de </a:t>
+            </a:r>
+            <a:r>
+              <a:rPr lang="es-ES" dirty="0" smtClean="0"/>
+              <a:t>páginas webs </a:t>
+            </a:r>
+            <a:r>
+              <a:rPr lang="es-ES" b="1" dirty="0"/>
+              <a:t>intuitivo</a:t>
+            </a:r>
+            <a:r>
+              <a:rPr lang="es-ES" dirty="0"/>
+              <a:t>, con una navegación </a:t>
+            </a:r>
+            <a:r>
+              <a:rPr lang="es-ES" dirty="0" smtClean="0"/>
+              <a:t>clara.</a:t>
+            </a:r>
+          </a:p>
+          <a:p>
+            <a:r>
+              <a:rPr lang="es-ES" dirty="0"/>
+              <a:t>La web cuenta con un diseño </a:t>
+            </a:r>
+            <a:r>
+              <a:rPr lang="es-ES" b="1" i="1" dirty="0"/>
+              <a:t>responsive</a:t>
+            </a:r>
+            <a:r>
+              <a:rPr lang="es-ES" dirty="0"/>
+              <a:t> por lo que se puede visualizar en todo tipo de dispositivos y resoluciones</a:t>
+            </a:r>
+            <a:r>
+              <a:rPr lang="es-ES" dirty="0" smtClean="0"/>
+              <a:t>.</a:t>
+            </a:r>
+          </a:p>
+          <a:p>
+            <a:endParaRPr lang="es-ES" dirty="0" smtClean="0"/>
+          </a:p>
+          <a:p>
+            <a:pPr marL="0" indent="0">
+              <a:buNone/>
+            </a:pPr>
+            <a:endParaRPr lang="es-ES" dirty="0" smtClean="0"/>
+          </a:p>
+          <a:p>
+            <a:pPr marL="0" indent="0">
+              <a:buNone/>
+            </a:pPr>
+            <a:endParaRPr lang="es-ES" dirty="0" smtClean="0"/>
+          </a:p>
+          <a:p>
+            <a:r>
+              <a:rPr lang="es-ES" dirty="0"/>
+              <a:t>Las herramientas, tecnologías  y plantillas utilizadas para el desarrollo del sistema son </a:t>
+            </a:r>
+            <a:r>
+              <a:rPr lang="es-ES" b="1" dirty="0"/>
+              <a:t>gratuitas</a:t>
+            </a:r>
+            <a:r>
+              <a:rPr lang="es-ES" dirty="0"/>
+              <a:t>. </a:t>
+            </a:r>
+          </a:p>
+          <a:p>
+            <a:pPr marL="0" indent="0">
+              <a:buNone/>
+            </a:pPr>
+            <a:endParaRPr lang="es-ES" b="1" dirty="0"/>
+          </a:p>
+        </p:txBody>
+      </p:sp>
+      <p:sp>
+        <p:nvSpPr>
+          <p:cNvPr id="4" name="CuadroTexto 3"/>
+          <p:cNvSpPr txBox="1"/>
+          <p:nvPr/>
+        </p:nvSpPr>
+        <p:spPr>
+          <a:xfrm>
+            <a:off x="270456" y="141668"/>
+            <a:ext cx="2189409" cy="369332"/>
+          </a:xfrm>
+          <a:prstGeom prst="rect">
+            <a:avLst/>
+          </a:prstGeom>
+          <a:noFill/>
+        </p:spPr>
+        <p:txBody>
+          <a:bodyPr wrap="square" rtlCol="0">
+            <a:spAutoFit/>
+          </a:bodyPr>
+          <a:lstStyle/>
+          <a:p>
+            <a:r>
+              <a:rPr lang="es-ES" smtClean="0">
+                <a:ln w="0"/>
+                <a:effectLst>
+                  <a:outerShdw blurRad="38100" dist="19050" dir="2700000" algn="tl" rotWithShape="0">
+                    <a:schemeClr val="dk1">
+                      <a:alpha val="40000"/>
+                    </a:schemeClr>
+                  </a:outerShdw>
+                </a:effectLst>
+              </a:rPr>
+              <a:t>     Shops’ Admin</a:t>
+            </a:r>
+            <a:endParaRPr lang="es-ES">
+              <a:ln w="0"/>
+              <a:effectLst>
+                <a:outerShdw blurRad="38100" dist="19050" dir="2700000" algn="tl" rotWithShape="0">
+                  <a:schemeClr val="dk1">
+                    <a:alpha val="40000"/>
+                  </a:schemeClr>
+                </a:outerShdw>
+              </a:effectLst>
+            </a:endParaRPr>
+          </a:p>
+        </p:txBody>
+      </p:sp>
+      <p:pic>
+        <p:nvPicPr>
+          <p:cNvPr id="7" name="Marcador de contenido 4"/>
+          <p:cNvPicPr>
+            <a:picLocks noChangeAspect="1"/>
+          </p:cNvPicPr>
+          <p:nvPr/>
+        </p:nvPicPr>
+        <p:blipFill>
+          <a:blip r:embed="rId3">
+            <a:extLst>
+              <a:ext uri="{28A0092B-C50C-407E-A947-70E740481C1C}">
+                <a14:useLocalDpi xmlns:a14="http://schemas.microsoft.com/office/drawing/2010/main" val="0"/>
+              </a:ext>
+            </a:extLst>
+          </a:blip>
+          <a:stretch>
+            <a:fillRect/>
+          </a:stretch>
+        </p:blipFill>
+        <p:spPr>
+          <a:xfrm>
+            <a:off x="270456" y="141668"/>
+            <a:ext cx="369332" cy="369332"/>
+          </a:xfrm>
+          <a:prstGeom prst="rect">
+            <a:avLst/>
+          </a:prstGeom>
+        </p:spPr>
+      </p:pic>
+      <p:sp>
+        <p:nvSpPr>
+          <p:cNvPr id="8" name="CuadroTexto 7"/>
+          <p:cNvSpPr txBox="1"/>
+          <p:nvPr/>
+        </p:nvSpPr>
+        <p:spPr>
+          <a:xfrm>
+            <a:off x="9002333" y="141668"/>
+            <a:ext cx="2884867" cy="369332"/>
+          </a:xfrm>
+          <a:prstGeom prst="rect">
+            <a:avLst/>
+          </a:prstGeom>
+          <a:noFill/>
+        </p:spPr>
+        <p:txBody>
+          <a:bodyPr wrap="square" rtlCol="0">
+            <a:spAutoFit/>
+          </a:bodyPr>
+          <a:lstStyle/>
+          <a:p>
+            <a:r>
+              <a:rPr lang="es-ES" smtClean="0">
+                <a:ln w="0"/>
+                <a:effectLst>
+                  <a:outerShdw blurRad="38100" dist="19050" dir="2700000" algn="tl" rotWithShape="0">
+                    <a:schemeClr val="dk1">
+                      <a:alpha val="40000"/>
+                    </a:schemeClr>
+                  </a:outerShdw>
+                </a:effectLst>
+              </a:rPr>
+              <a:t>Isabel Mª Calvo Mateos</a:t>
+            </a:r>
+            <a:endParaRPr lang="es-ES">
+              <a:ln w="0"/>
+              <a:effectLst>
+                <a:outerShdw blurRad="38100" dist="19050" dir="2700000" algn="tl" rotWithShape="0">
+                  <a:schemeClr val="dk1">
+                    <a:alpha val="40000"/>
+                  </a:schemeClr>
+                </a:outerShdw>
+              </a:effectLst>
+            </a:endParaRPr>
+          </a:p>
+        </p:txBody>
+      </p:sp>
+      <p:pic>
+        <p:nvPicPr>
           <p:cNvPr id="10" name="Imagen 9"/>
           <p:cNvPicPr>
             <a:picLocks noChangeAspect="1"/>
@@ -11221,8 +13087,8 @@
         </p:blipFill>
         <p:spPr>
           <a:xfrm>
-            <a:off x="3763090" y="1275008"/>
-            <a:ext cx="551333" cy="616196"/>
+            <a:off x="6037282" y="5512158"/>
+            <a:ext cx="2048341" cy="1345842"/>
           </a:xfrm>
           <a:prstGeom prst="rect">
             <a:avLst/>
@@ -11251,6 +13117,696 @@
         </p:blipFill>
         <p:spPr>
           <a:xfrm>
+            <a:off x="4386250" y="3859956"/>
+            <a:ext cx="2092928" cy="1255757"/>
+          </a:xfrm>
+          <a:prstGeom prst="rect">
+            <a:avLst/>
+          </a:prstGeom>
+        </p:spPr>
+      </p:pic>
+      <p:pic>
+        <p:nvPicPr>
+          <p:cNvPr id="12" name="Imagen 11"/>
+          <p:cNvPicPr>
+            <a:picLocks noChangeAspect="1"/>
+          </p:cNvPicPr>
+          <p:nvPr/>
+        </p:nvPicPr>
+        <p:blipFill>
+          <a:blip r:embed="rId6">
+            <a:extLst>
+              <a:ext uri="{28A0092B-C50C-407E-A947-70E740481C1C}">
+                <a14:useLocalDpi xmlns:a14="http://schemas.microsoft.com/office/drawing/2010/main" val="0"/>
+              </a:ext>
+            </a:extLst>
+          </a:blip>
+          <a:stretch>
+            <a:fillRect/>
+          </a:stretch>
+        </p:blipFill>
+        <p:spPr>
+          <a:xfrm>
+            <a:off x="4210721" y="1671453"/>
+            <a:ext cx="2434777" cy="936037"/>
+          </a:xfrm>
+          <a:prstGeom prst="rect">
+            <a:avLst/>
+          </a:prstGeom>
+        </p:spPr>
+      </p:pic>
+    </p:spTree>
+    <p:extLst>
+      <p:ext uri="{BB962C8B-B14F-4D97-AF65-F5344CB8AC3E}">
+        <p14:creationId xmlns:p14="http://schemas.microsoft.com/office/powerpoint/2010/main" val="310648901"/>
+      </p:ext>
+    </p:extLst>
+  </p:cSld>
+  <p:clrMapOvr>
+    <a:masterClrMapping/>
+  </p:clrMapOvr>
+  <p:timing>
+    <p:tnLst>
+      <p:par>
+        <p:cTn id="1" dur="indefinite" restart="never" nodeType="tmRoot"/>
+      </p:par>
+    </p:tnLst>
+  </p:timing>
+</p:sld>
+</file>
+
+<file path=ppt/slides/slide17.xml><?xml version="1.0" encoding="utf-8"?>
+<p:sld xmlns:a="http://schemas.openxmlformats.org/drawingml/2006/main" xmlns:r="http://schemas.openxmlformats.org/officeDocument/2006/relationships" xmlns:p="http://schemas.openxmlformats.org/presentationml/2006/main">
+  <p:cSld>
+    <p:spTree>
+      <p:nvGrpSpPr>
+        <p:cNvPr id="1" name=""/>
+        <p:cNvGrpSpPr/>
+        <p:nvPr/>
+      </p:nvGrpSpPr>
+      <p:grpSpPr>
+        <a:xfrm>
+          <a:off x="0" y="0"/>
+          <a:ext cx="0" cy="0"/>
+          <a:chOff x="0" y="0"/>
+          <a:chExt cx="0" cy="0"/>
+        </a:xfrm>
+      </p:grpSpPr>
+      <p:sp>
+        <p:nvSpPr>
+          <p:cNvPr id="2" name="Título 1"/>
+          <p:cNvSpPr>
+            <a:spLocks noGrp="1"/>
+          </p:cNvSpPr>
+          <p:nvPr>
+            <p:ph type="title"/>
+          </p:nvPr>
+        </p:nvSpPr>
+        <p:spPr>
+          <a:xfrm>
+            <a:off x="1790163" y="624110"/>
+            <a:ext cx="10097038" cy="650898"/>
+          </a:xfrm>
+        </p:spPr>
+        <p:txBody>
+          <a:bodyPr/>
+          <a:lstStyle/>
+          <a:p>
+            <a:r>
+              <a:rPr lang="es-ES" dirty="0" smtClean="0"/>
+              <a:t>4.- MODELO DE DATOS</a:t>
+            </a:r>
+            <a:endParaRPr lang="es-ES" dirty="0"/>
+          </a:p>
+        </p:txBody>
+      </p:sp>
+      <p:sp>
+        <p:nvSpPr>
+          <p:cNvPr id="4" name="CuadroTexto 3"/>
+          <p:cNvSpPr txBox="1"/>
+          <p:nvPr/>
+        </p:nvSpPr>
+        <p:spPr>
+          <a:xfrm>
+            <a:off x="270456" y="141668"/>
+            <a:ext cx="2189409" cy="369332"/>
+          </a:xfrm>
+          <a:prstGeom prst="rect">
+            <a:avLst/>
+          </a:prstGeom>
+          <a:noFill/>
+        </p:spPr>
+        <p:txBody>
+          <a:bodyPr wrap="square" rtlCol="0">
+            <a:spAutoFit/>
+          </a:bodyPr>
+          <a:lstStyle/>
+          <a:p>
+            <a:r>
+              <a:rPr lang="es-ES" smtClean="0">
+                <a:ln w="0"/>
+                <a:effectLst>
+                  <a:outerShdw blurRad="38100" dist="19050" dir="2700000" algn="tl" rotWithShape="0">
+                    <a:schemeClr val="dk1">
+                      <a:alpha val="40000"/>
+                    </a:schemeClr>
+                  </a:outerShdw>
+                </a:effectLst>
+              </a:rPr>
+              <a:t>     Shops’ Admin</a:t>
+            </a:r>
+            <a:endParaRPr lang="es-ES">
+              <a:ln w="0"/>
+              <a:effectLst>
+                <a:outerShdw blurRad="38100" dist="19050" dir="2700000" algn="tl" rotWithShape="0">
+                  <a:schemeClr val="dk1">
+                    <a:alpha val="40000"/>
+                  </a:schemeClr>
+                </a:outerShdw>
+              </a:effectLst>
+            </a:endParaRPr>
+          </a:p>
+        </p:txBody>
+      </p:sp>
+      <p:pic>
+        <p:nvPicPr>
+          <p:cNvPr id="7" name="Marcador de contenido 4"/>
+          <p:cNvPicPr>
+            <a:picLocks noChangeAspect="1"/>
+          </p:cNvPicPr>
+          <p:nvPr/>
+        </p:nvPicPr>
+        <p:blipFill>
+          <a:blip r:embed="rId3">
+            <a:extLst>
+              <a:ext uri="{28A0092B-C50C-407E-A947-70E740481C1C}">
+                <a14:useLocalDpi xmlns:a14="http://schemas.microsoft.com/office/drawing/2010/main" val="0"/>
+              </a:ext>
+            </a:extLst>
+          </a:blip>
+          <a:stretch>
+            <a:fillRect/>
+          </a:stretch>
+        </p:blipFill>
+        <p:spPr>
+          <a:xfrm>
+            <a:off x="270456" y="141668"/>
+            <a:ext cx="369332" cy="369332"/>
+          </a:xfrm>
+          <a:prstGeom prst="rect">
+            <a:avLst/>
+          </a:prstGeom>
+        </p:spPr>
+      </p:pic>
+      <p:sp>
+        <p:nvSpPr>
+          <p:cNvPr id="8" name="CuadroTexto 7"/>
+          <p:cNvSpPr txBox="1"/>
+          <p:nvPr/>
+        </p:nvSpPr>
+        <p:spPr>
+          <a:xfrm>
+            <a:off x="9002333" y="141668"/>
+            <a:ext cx="2884867" cy="369332"/>
+          </a:xfrm>
+          <a:prstGeom prst="rect">
+            <a:avLst/>
+          </a:prstGeom>
+          <a:noFill/>
+        </p:spPr>
+        <p:txBody>
+          <a:bodyPr wrap="square" rtlCol="0">
+            <a:spAutoFit/>
+          </a:bodyPr>
+          <a:lstStyle/>
+          <a:p>
+            <a:r>
+              <a:rPr lang="es-ES" smtClean="0">
+                <a:ln w="0"/>
+                <a:effectLst>
+                  <a:outerShdw blurRad="38100" dist="19050" dir="2700000" algn="tl" rotWithShape="0">
+                    <a:schemeClr val="dk1">
+                      <a:alpha val="40000"/>
+                    </a:schemeClr>
+                  </a:outerShdw>
+                </a:effectLst>
+              </a:rPr>
+              <a:t>Isabel Mª Calvo Mateos</a:t>
+            </a:r>
+            <a:endParaRPr lang="es-ES">
+              <a:ln w="0"/>
+              <a:effectLst>
+                <a:outerShdw blurRad="38100" dist="19050" dir="2700000" algn="tl" rotWithShape="0">
+                  <a:schemeClr val="dk1">
+                    <a:alpha val="40000"/>
+                  </a:schemeClr>
+                </a:outerShdw>
+              </a:effectLst>
+            </a:endParaRPr>
+          </a:p>
+        </p:txBody>
+      </p:sp>
+      <p:pic>
+        <p:nvPicPr>
+          <p:cNvPr id="6" name="Imagen 5"/>
+          <p:cNvPicPr>
+            <a:picLocks noChangeAspect="1"/>
+          </p:cNvPicPr>
+          <p:nvPr/>
+        </p:nvPicPr>
+        <p:blipFill>
+          <a:blip r:embed="rId4">
+            <a:extLst>
+              <a:ext uri="{28A0092B-C50C-407E-A947-70E740481C1C}">
+                <a14:useLocalDpi xmlns:a14="http://schemas.microsoft.com/office/drawing/2010/main" val="0"/>
+              </a:ext>
+            </a:extLst>
+          </a:blip>
+          <a:stretch>
+            <a:fillRect/>
+          </a:stretch>
+        </p:blipFill>
+        <p:spPr>
+          <a:xfrm>
+            <a:off x="2752403" y="1275008"/>
+            <a:ext cx="8172556" cy="5482290"/>
+          </a:xfrm>
+          <a:prstGeom prst="rect">
+            <a:avLst/>
+          </a:prstGeom>
+          <a:ln>
+            <a:noFill/>
+          </a:ln>
+          <a:effectLst>
+            <a:outerShdw blurRad="190500" algn="tl" rotWithShape="0">
+              <a:srgbClr val="000000">
+                <a:alpha val="70000"/>
+              </a:srgbClr>
+            </a:outerShdw>
+          </a:effectLst>
+        </p:spPr>
+      </p:pic>
+    </p:spTree>
+    <p:extLst>
+      <p:ext uri="{BB962C8B-B14F-4D97-AF65-F5344CB8AC3E}">
+        <p14:creationId xmlns:p14="http://schemas.microsoft.com/office/powerpoint/2010/main" val="1002539597"/>
+      </p:ext>
+    </p:extLst>
+  </p:cSld>
+  <p:clrMapOvr>
+    <a:masterClrMapping/>
+  </p:clrMapOvr>
+  <p:timing>
+    <p:tnLst>
+      <p:par>
+        <p:cTn id="1" dur="indefinite" restart="never" nodeType="tmRoot"/>
+      </p:par>
+    </p:tnLst>
+  </p:timing>
+</p:sld>
+</file>
+
+<file path=ppt/slides/slide18.xml><?xml version="1.0" encoding="utf-8"?>
+<p:sld xmlns:a="http://schemas.openxmlformats.org/drawingml/2006/main" xmlns:r="http://schemas.openxmlformats.org/officeDocument/2006/relationships" xmlns:p="http://schemas.openxmlformats.org/presentationml/2006/main">
+  <p:cSld>
+    <p:spTree>
+      <p:nvGrpSpPr>
+        <p:cNvPr id="1" name=""/>
+        <p:cNvGrpSpPr/>
+        <p:nvPr/>
+      </p:nvGrpSpPr>
+      <p:grpSpPr>
+        <a:xfrm>
+          <a:off x="0" y="0"/>
+          <a:ext cx="0" cy="0"/>
+          <a:chOff x="0" y="0"/>
+          <a:chExt cx="0" cy="0"/>
+        </a:xfrm>
+      </p:grpSpPr>
+      <p:sp>
+        <p:nvSpPr>
+          <p:cNvPr id="2" name="Título 1"/>
+          <p:cNvSpPr>
+            <a:spLocks noGrp="1"/>
+          </p:cNvSpPr>
+          <p:nvPr>
+            <p:ph type="title"/>
+          </p:nvPr>
+        </p:nvSpPr>
+        <p:spPr>
+          <a:xfrm>
+            <a:off x="1790163" y="624110"/>
+            <a:ext cx="10097038" cy="650898"/>
+          </a:xfrm>
+        </p:spPr>
+        <p:txBody>
+          <a:bodyPr>
+            <a:normAutofit fontScale="90000"/>
+          </a:bodyPr>
+          <a:lstStyle/>
+          <a:p>
+            <a:r>
+              <a:rPr lang="es-ES" sz="4000" dirty="0"/>
+              <a:t>5</a:t>
+            </a:r>
+            <a:r>
+              <a:rPr lang="es-ES" sz="4000" dirty="0" smtClean="0"/>
+              <a:t>.- TECNOLOGÍAS</a:t>
+            </a:r>
+            <a:endParaRPr lang="es-ES" dirty="0"/>
+          </a:p>
+        </p:txBody>
+      </p:sp>
+      <p:sp>
+        <p:nvSpPr>
+          <p:cNvPr id="3" name="Marcador de contenido 2"/>
+          <p:cNvSpPr>
+            <a:spLocks noGrp="1"/>
+          </p:cNvSpPr>
+          <p:nvPr>
+            <p:ph idx="1"/>
+          </p:nvPr>
+        </p:nvSpPr>
+        <p:spPr>
+          <a:xfrm>
+            <a:off x="1790163" y="1388118"/>
+            <a:ext cx="10097037" cy="5192986"/>
+          </a:xfrm>
+        </p:spPr>
+        <p:txBody>
+          <a:bodyPr>
+            <a:normAutofit/>
+          </a:bodyPr>
+          <a:lstStyle/>
+          <a:p>
+            <a:r>
+              <a:rPr lang="es-ES" b="1" dirty="0" smtClean="0"/>
+              <a:t>Software libre</a:t>
+            </a:r>
+          </a:p>
+          <a:p>
+            <a:r>
+              <a:rPr lang="es-ES" b="1" dirty="0" smtClean="0"/>
+              <a:t> CLIENTE</a:t>
+            </a:r>
+          </a:p>
+          <a:p>
+            <a:pPr marL="0" indent="0">
+              <a:buNone/>
+            </a:pPr>
+            <a:r>
+              <a:rPr lang="es-ES" b="1" dirty="0" smtClean="0"/>
+              <a:t>                		HTML </a:t>
+            </a:r>
+            <a:r>
+              <a:rPr lang="es-ES" b="1" dirty="0" smtClean="0">
+                <a:sym typeface="Wingdings" panose="05000000000000000000" pitchFamily="2" charset="2"/>
+              </a:rPr>
+              <a:t> </a:t>
+            </a:r>
+            <a:r>
+              <a:rPr lang="es-ES" b="1" dirty="0" smtClean="0"/>
+              <a:t>		       CSS </a:t>
+            </a:r>
+            <a:r>
+              <a:rPr lang="es-ES" b="1" dirty="0" smtClean="0">
+                <a:sym typeface="Wingdings" panose="05000000000000000000" pitchFamily="2" charset="2"/>
+              </a:rPr>
+              <a:t> </a:t>
+            </a:r>
+            <a:r>
+              <a:rPr lang="es-ES" b="1" dirty="0">
+                <a:sym typeface="Wingdings" panose="05000000000000000000" pitchFamily="2" charset="2"/>
+              </a:rPr>
+              <a:t> </a:t>
+            </a:r>
+            <a:r>
+              <a:rPr lang="es-ES" b="1" dirty="0" smtClean="0">
+                <a:sym typeface="Wingdings" panose="05000000000000000000" pitchFamily="2" charset="2"/>
+              </a:rPr>
+              <a:t>            J</a:t>
+            </a:r>
+            <a:r>
+              <a:rPr lang="es-ES" b="1" dirty="0" smtClean="0"/>
+              <a:t>avaScript </a:t>
+            </a:r>
+            <a:r>
+              <a:rPr lang="es-ES" b="1" dirty="0" smtClean="0">
+                <a:sym typeface="Wingdings" panose="05000000000000000000" pitchFamily="2" charset="2"/>
+              </a:rPr>
+              <a:t></a:t>
+            </a:r>
+            <a:r>
+              <a:rPr lang="es-ES" b="1" dirty="0" smtClean="0"/>
+              <a:t>              </a:t>
+            </a:r>
+          </a:p>
+          <a:p>
+            <a:pPr marL="0" indent="0">
+              <a:buNone/>
+            </a:pPr>
+            <a:endParaRPr lang="es-ES" b="1" dirty="0"/>
+          </a:p>
+          <a:p>
+            <a:pPr marL="0" indent="0">
+              <a:buNone/>
+            </a:pPr>
+            <a:endParaRPr lang="es-ES" b="1" dirty="0" smtClean="0"/>
+          </a:p>
+          <a:p>
+            <a:pPr marL="0" indent="0">
+              <a:buNone/>
+            </a:pPr>
+            <a:r>
+              <a:rPr lang="es-ES" b="1" dirty="0" smtClean="0"/>
+              <a:t>					Bootstrap </a:t>
+            </a:r>
+            <a:r>
+              <a:rPr lang="es-ES" b="1" dirty="0" smtClean="0">
+                <a:sym typeface="Wingdings" panose="05000000000000000000" pitchFamily="2" charset="2"/>
+              </a:rPr>
+              <a:t> 		</a:t>
+            </a:r>
+            <a:r>
+              <a:rPr lang="es-ES" b="1" dirty="0">
+                <a:sym typeface="Wingdings" panose="05000000000000000000" pitchFamily="2" charset="2"/>
+              </a:rPr>
+              <a:t> </a:t>
+            </a:r>
+            <a:r>
+              <a:rPr lang="es-ES" b="1" dirty="0" smtClean="0">
+                <a:sym typeface="Wingdings" panose="05000000000000000000" pitchFamily="2" charset="2"/>
+              </a:rPr>
+              <a:t>    jQuery  </a:t>
+            </a:r>
+            <a:endParaRPr lang="es-ES" b="1" dirty="0"/>
+          </a:p>
+          <a:p>
+            <a:pPr marL="0" indent="0">
+              <a:buNone/>
+            </a:pPr>
+            <a:endParaRPr lang="es-ES" b="1" dirty="0" smtClean="0"/>
+          </a:p>
+          <a:p>
+            <a:r>
+              <a:rPr lang="es-ES" b="1" dirty="0" smtClean="0"/>
+              <a:t>SERVIDOR</a:t>
+            </a:r>
+          </a:p>
+          <a:p>
+            <a:pPr marL="0" indent="0">
+              <a:buNone/>
+            </a:pPr>
+            <a:endParaRPr lang="es-ES" b="1" dirty="0" smtClean="0"/>
+          </a:p>
+          <a:p>
+            <a:pPr marL="0" indent="0">
+              <a:buNone/>
+            </a:pPr>
+            <a:r>
+              <a:rPr lang="es-ES" b="1" dirty="0" smtClean="0"/>
+              <a:t>Servidor Apache </a:t>
+            </a:r>
+            <a:r>
+              <a:rPr lang="es-ES" b="1" dirty="0" smtClean="0">
+                <a:sym typeface="Wingdings" panose="05000000000000000000" pitchFamily="2" charset="2"/>
+              </a:rPr>
+              <a:t>				  PHP                               </a:t>
+            </a:r>
+            <a:r>
+              <a:rPr lang="es-ES" b="1" dirty="0" err="1" smtClean="0">
+                <a:sym typeface="Wingdings" panose="05000000000000000000" pitchFamily="2" charset="2"/>
+              </a:rPr>
+              <a:t>MySQL</a:t>
+            </a:r>
+            <a:r>
+              <a:rPr lang="es-ES" b="1" dirty="0" smtClean="0">
+                <a:sym typeface="Wingdings" panose="05000000000000000000" pitchFamily="2" charset="2"/>
+              </a:rPr>
+              <a:t>   </a:t>
+            </a:r>
+            <a:endParaRPr lang="es-ES" b="1" dirty="0"/>
+          </a:p>
+        </p:txBody>
+      </p:sp>
+      <p:sp>
+        <p:nvSpPr>
+          <p:cNvPr id="4" name="CuadroTexto 3"/>
+          <p:cNvSpPr txBox="1"/>
+          <p:nvPr/>
+        </p:nvSpPr>
+        <p:spPr>
+          <a:xfrm>
+            <a:off x="270456" y="141668"/>
+            <a:ext cx="2189409" cy="369332"/>
+          </a:xfrm>
+          <a:prstGeom prst="rect">
+            <a:avLst/>
+          </a:prstGeom>
+          <a:noFill/>
+        </p:spPr>
+        <p:txBody>
+          <a:bodyPr wrap="square" rtlCol="0">
+            <a:spAutoFit/>
+          </a:bodyPr>
+          <a:lstStyle/>
+          <a:p>
+            <a:r>
+              <a:rPr lang="es-ES" smtClean="0">
+                <a:ln w="0"/>
+                <a:effectLst>
+                  <a:outerShdw blurRad="38100" dist="19050" dir="2700000" algn="tl" rotWithShape="0">
+                    <a:schemeClr val="dk1">
+                      <a:alpha val="40000"/>
+                    </a:schemeClr>
+                  </a:outerShdw>
+                </a:effectLst>
+              </a:rPr>
+              <a:t>     Shops’ Admin</a:t>
+            </a:r>
+            <a:endParaRPr lang="es-ES">
+              <a:ln w="0"/>
+              <a:effectLst>
+                <a:outerShdw blurRad="38100" dist="19050" dir="2700000" algn="tl" rotWithShape="0">
+                  <a:schemeClr val="dk1">
+                    <a:alpha val="40000"/>
+                  </a:schemeClr>
+                </a:outerShdw>
+              </a:effectLst>
+            </a:endParaRPr>
+          </a:p>
+        </p:txBody>
+      </p:sp>
+      <p:pic>
+        <p:nvPicPr>
+          <p:cNvPr id="7" name="Marcador de contenido 4"/>
+          <p:cNvPicPr>
+            <a:picLocks noChangeAspect="1"/>
+          </p:cNvPicPr>
+          <p:nvPr/>
+        </p:nvPicPr>
+        <p:blipFill>
+          <a:blip r:embed="rId3">
+            <a:extLst>
+              <a:ext uri="{28A0092B-C50C-407E-A947-70E740481C1C}">
+                <a14:useLocalDpi xmlns:a14="http://schemas.microsoft.com/office/drawing/2010/main" val="0"/>
+              </a:ext>
+            </a:extLst>
+          </a:blip>
+          <a:stretch>
+            <a:fillRect/>
+          </a:stretch>
+        </p:blipFill>
+        <p:spPr>
+          <a:xfrm>
+            <a:off x="270456" y="141668"/>
+            <a:ext cx="369332" cy="369332"/>
+          </a:xfrm>
+          <a:prstGeom prst="rect">
+            <a:avLst/>
+          </a:prstGeom>
+        </p:spPr>
+      </p:pic>
+      <p:sp>
+        <p:nvSpPr>
+          <p:cNvPr id="8" name="CuadroTexto 7"/>
+          <p:cNvSpPr txBox="1"/>
+          <p:nvPr/>
+        </p:nvSpPr>
+        <p:spPr>
+          <a:xfrm>
+            <a:off x="9002333" y="141668"/>
+            <a:ext cx="2884867" cy="369332"/>
+          </a:xfrm>
+          <a:prstGeom prst="rect">
+            <a:avLst/>
+          </a:prstGeom>
+          <a:noFill/>
+        </p:spPr>
+        <p:txBody>
+          <a:bodyPr wrap="square" rtlCol="0">
+            <a:spAutoFit/>
+          </a:bodyPr>
+          <a:lstStyle/>
+          <a:p>
+            <a:r>
+              <a:rPr lang="es-ES" smtClean="0">
+                <a:ln w="0"/>
+                <a:effectLst>
+                  <a:outerShdw blurRad="38100" dist="19050" dir="2700000" algn="tl" rotWithShape="0">
+                    <a:schemeClr val="dk1">
+                      <a:alpha val="40000"/>
+                    </a:schemeClr>
+                  </a:outerShdw>
+                </a:effectLst>
+              </a:rPr>
+              <a:t>Isabel Mª Calvo Mateos</a:t>
+            </a:r>
+            <a:endParaRPr lang="es-ES">
+              <a:ln w="0"/>
+              <a:effectLst>
+                <a:outerShdw blurRad="38100" dist="19050" dir="2700000" algn="tl" rotWithShape="0">
+                  <a:schemeClr val="dk1">
+                    <a:alpha val="40000"/>
+                  </a:schemeClr>
+                </a:outerShdw>
+              </a:effectLst>
+            </a:endParaRPr>
+          </a:p>
+        </p:txBody>
+      </p:sp>
+      <p:pic>
+        <p:nvPicPr>
+          <p:cNvPr id="10" name="Imagen 9"/>
+          <p:cNvPicPr>
+            <a:picLocks noChangeAspect="1"/>
+          </p:cNvPicPr>
+          <p:nvPr/>
+        </p:nvPicPr>
+        <p:blipFill>
+          <a:blip r:embed="rId4">
+            <a:extLst>
+              <a:ext uri="{28A0092B-C50C-407E-A947-70E740481C1C}">
+                <a14:useLocalDpi xmlns:a14="http://schemas.microsoft.com/office/drawing/2010/main" val="0"/>
+              </a:ext>
+            </a:extLst>
+          </a:blip>
+          <a:stretch>
+            <a:fillRect/>
+          </a:stretch>
+        </p:blipFill>
+        <p:spPr>
+          <a:xfrm>
+            <a:off x="3763090" y="1275008"/>
+            <a:ext cx="551333" cy="616196"/>
+          </a:xfrm>
+          <a:prstGeom prst="rect">
+            <a:avLst/>
+          </a:prstGeom>
+        </p:spPr>
+      </p:pic>
+      <p:pic>
+        <p:nvPicPr>
+          <p:cNvPr id="11" name="Imagen 10"/>
+          <p:cNvPicPr>
+            <a:picLocks noChangeAspect="1"/>
+          </p:cNvPicPr>
+          <p:nvPr/>
+        </p:nvPicPr>
+        <p:blipFill>
+          <a:blip r:embed="rId5">
+            <a:extLst>
+              <a:ext uri="{28A0092B-C50C-407E-A947-70E740481C1C}">
+                <a14:useLocalDpi xmlns:a14="http://schemas.microsoft.com/office/drawing/2010/main" val="0"/>
+              </a:ext>
+            </a:extLst>
+          </a:blip>
+          <a:stretch>
+            <a:fillRect/>
+          </a:stretch>
+        </p:blipFill>
+        <p:spPr>
+          <a:xfrm>
             <a:off x="4663834" y="1984030"/>
             <a:ext cx="797887" cy="797887"/>
           </a:xfrm>
@@ -11489,7 +14045,7 @@
 </p:sld>
 </file>
 
-<file path=ppt/slides/slide14.xml><?xml version="1.0" encoding="utf-8"?>
+<file path=ppt/slides/slide19.xml><?xml version="1.0" encoding="utf-8"?>
 <p:sld xmlns:a="http://schemas.openxmlformats.org/drawingml/2006/main" xmlns:r="http://schemas.openxmlformats.org/officeDocument/2006/relationships" xmlns:p="http://schemas.openxmlformats.org/presentationml/2006/main">
   <p:cSld>
     <p:spTree>
@@ -12488,7 +15044,7 @@
 </p:sld>
 </file>
 
-<file path=ppt/slides/slide3.xml><?xml version="1.0" encoding="utf-8"?>
+<file path=ppt/slides/slide20.xml><?xml version="1.0" encoding="utf-8"?>
 <p:sld xmlns:a="http://schemas.openxmlformats.org/drawingml/2006/main" xmlns:r="http://schemas.openxmlformats.org/officeDocument/2006/relationships" xmlns:p="http://schemas.openxmlformats.org/presentationml/2006/main">
   <p:cSld>
     <p:spTree>
@@ -12522,41 +15078,20 @@
           </a:xfrm>
         </p:spPr>
         <p:txBody>
-          <a:bodyPr/>
-          <a:lstStyle/>
-          <a:p>
-            <a:r>
-              <a:rPr lang="es-ES" dirty="0" smtClean="0"/>
-              <a:t>2.- PLANIFICACIÓN</a:t>
+          <a:bodyPr>
+            <a:normAutofit fontScale="90000"/>
+          </a:bodyPr>
+          <a:lstStyle/>
+          <a:p>
+            <a:r>
+              <a:rPr lang="es-ES" sz="4000" dirty="0"/>
+              <a:t>6</a:t>
+            </a:r>
+            <a:r>
+              <a:rPr lang="es-ES" sz="4000" dirty="0" smtClean="0"/>
+              <a:t>.-ARQUITECTURA DE LA APLICACIÓN</a:t>
             </a:r>
             <a:endParaRPr lang="es-ES" dirty="0"/>
-          </a:p>
-        </p:txBody>
-      </p:sp>
-      <p:sp>
-        <p:nvSpPr>
-          <p:cNvPr id="3" name="Marcador de contenido 2"/>
-          <p:cNvSpPr>
-            <a:spLocks noGrp="1"/>
-          </p:cNvSpPr>
-          <p:nvPr>
-            <p:ph idx="1"/>
-          </p:nvPr>
-        </p:nvSpPr>
-        <p:spPr>
-          <a:xfrm>
-            <a:off x="1790163" y="1532586"/>
-            <a:ext cx="10097037" cy="5048518"/>
-          </a:xfrm>
-        </p:spPr>
-        <p:txBody>
-          <a:bodyPr/>
-          <a:lstStyle/>
-          <a:p>
-            <a:endParaRPr lang="es-ES" smtClean="0"/>
-          </a:p>
-          <a:p>
-            <a:endParaRPr lang="es-ES"/>
           </a:p>
         </p:txBody>
       </p:sp>
@@ -12686,6 +15221,579 @@
           </a:p>
         </p:txBody>
       </p:sp>
+      <p:sp>
+        <p:nvSpPr>
+          <p:cNvPr id="24" name="Marcador de contenido 2"/>
+          <p:cNvSpPr>
+            <a:spLocks noGrp="1"/>
+          </p:cNvSpPr>
+          <p:nvPr>
+            <p:ph idx="1"/>
+          </p:nvPr>
+        </p:nvSpPr>
+        <p:spPr>
+          <a:xfrm>
+            <a:off x="6065949" y="1388118"/>
+            <a:ext cx="5847008" cy="5192986"/>
+          </a:xfrm>
+        </p:spPr>
+        <p:txBody>
+          <a:bodyPr>
+            <a:normAutofit/>
+          </a:bodyPr>
+          <a:lstStyle/>
+          <a:p>
+            <a:pPr marL="0" indent="0">
+              <a:buNone/>
+            </a:pPr>
+            <a:r>
+              <a:rPr lang="es-ES" b="1" dirty="0" smtClean="0">
+                <a:sym typeface="Wingdings" panose="05000000000000000000" pitchFamily="2" charset="2"/>
+              </a:rPr>
+              <a:t> </a:t>
+            </a:r>
+            <a:r>
+              <a:rPr lang="es-ES" b="1" dirty="0" smtClean="0"/>
+              <a:t>Modelo-Vista-Controlador</a:t>
+            </a:r>
+          </a:p>
+          <a:p>
+            <a:r>
+              <a:rPr lang="es-ES" b="1" dirty="0" smtClean="0"/>
+              <a:t>Ventajas</a:t>
+            </a:r>
+          </a:p>
+          <a:p>
+            <a:pPr lvl="1">
+              <a:buFont typeface="Arial" panose="020B0604020202020204" pitchFamily="34" charset="0"/>
+              <a:buChar char="•"/>
+            </a:pPr>
+            <a:r>
+              <a:rPr lang="es-ES" dirty="0"/>
+              <a:t>Reutilización de </a:t>
+            </a:r>
+            <a:r>
+              <a:rPr lang="es-ES" dirty="0" smtClean="0"/>
+              <a:t>código y de componentes</a:t>
+            </a:r>
+          </a:p>
+          <a:p>
+            <a:pPr lvl="1">
+              <a:buFont typeface="Arial" panose="020B0604020202020204" pitchFamily="34" charset="0"/>
+              <a:buChar char="•"/>
+            </a:pPr>
+            <a:r>
+              <a:rPr lang="es-ES" dirty="0"/>
+              <a:t>Clara separación entre </a:t>
+            </a:r>
+            <a:r>
+              <a:rPr lang="es-ES" dirty="0" smtClean="0"/>
+              <a:t>datos, </a:t>
+            </a:r>
+            <a:r>
+              <a:rPr lang="es-ES" dirty="0"/>
+              <a:t>lógica de negocio y </a:t>
+            </a:r>
+            <a:r>
+              <a:rPr lang="es-ES" dirty="0" smtClean="0"/>
+              <a:t>presentación.</a:t>
+            </a:r>
+          </a:p>
+          <a:p>
+            <a:pPr lvl="1">
+              <a:buFont typeface="Arial" panose="020B0604020202020204" pitchFamily="34" charset="0"/>
+              <a:buChar char="•"/>
+            </a:pPr>
+            <a:r>
+              <a:rPr lang="es-ES" dirty="0"/>
+              <a:t>Facilita el desarrollo y el </a:t>
+            </a:r>
+            <a:r>
+              <a:rPr lang="es-ES" dirty="0" smtClean="0"/>
+              <a:t>mantenimiento.</a:t>
+            </a:r>
+          </a:p>
+          <a:p>
+            <a:pPr marL="457200" lvl="1" indent="0">
+              <a:buNone/>
+            </a:pPr>
+            <a:endParaRPr lang="es-ES" b="1" dirty="0"/>
+          </a:p>
+          <a:p>
+            <a:r>
+              <a:rPr lang="es-ES" b="1" dirty="0" smtClean="0"/>
+              <a:t>Desventajas</a:t>
+            </a:r>
+            <a:r>
+              <a:rPr lang="es-ES" dirty="0" smtClean="0"/>
+              <a:t>	</a:t>
+            </a:r>
+          </a:p>
+          <a:p>
+            <a:pPr lvl="1">
+              <a:buFont typeface="Arial" panose="020B0604020202020204" pitchFamily="34" charset="0"/>
+              <a:buChar char="•"/>
+            </a:pPr>
+            <a:r>
+              <a:rPr lang="es-ES" dirty="0"/>
+              <a:t>Tener que ceñirse a una estructura </a:t>
+            </a:r>
+            <a:r>
+              <a:rPr lang="es-ES" dirty="0" smtClean="0"/>
+              <a:t>.</a:t>
+            </a:r>
+          </a:p>
+          <a:p>
+            <a:pPr lvl="1">
+              <a:buFont typeface="Arial" panose="020B0604020202020204" pitchFamily="34" charset="0"/>
+              <a:buChar char="•"/>
+            </a:pPr>
+            <a:r>
+              <a:rPr lang="es-ES" dirty="0" smtClean="0"/>
+              <a:t>La </a:t>
+            </a:r>
+            <a:r>
+              <a:rPr lang="es-ES" dirty="0"/>
+              <a:t>curva de aprendizaje </a:t>
+            </a:r>
+            <a:r>
+              <a:rPr lang="es-ES" dirty="0" smtClean="0"/>
+              <a:t>es mayor para </a:t>
+            </a:r>
+            <a:r>
+              <a:rPr lang="es-ES" dirty="0"/>
+              <a:t>los nuevos </a:t>
+            </a:r>
+            <a:r>
+              <a:rPr lang="es-ES" dirty="0" smtClean="0"/>
+              <a:t>desarrolladores.</a:t>
+            </a:r>
+          </a:p>
+          <a:p>
+            <a:pPr lvl="1">
+              <a:buFont typeface="Arial" panose="020B0604020202020204" pitchFamily="34" charset="0"/>
+              <a:buChar char="•"/>
+            </a:pPr>
+            <a:r>
+              <a:rPr lang="es-ES" dirty="0"/>
+              <a:t>La distribución de componentes obliga a crear y mantener un mayor número de </a:t>
+            </a:r>
+            <a:r>
+              <a:rPr lang="es-ES" dirty="0" smtClean="0"/>
+              <a:t>ficheros</a:t>
+            </a:r>
+            <a:r>
+              <a:rPr lang="es-ES" b="1" dirty="0"/>
+              <a:t>.</a:t>
+            </a:r>
+            <a:r>
+              <a:rPr lang="es-ES" dirty="0" smtClean="0"/>
+              <a:t>		</a:t>
+            </a:r>
+            <a:endParaRPr lang="es-ES" dirty="0"/>
+          </a:p>
+          <a:p>
+            <a:pPr lvl="1">
+              <a:buFont typeface="Arial" panose="020B0604020202020204" pitchFamily="34" charset="0"/>
+              <a:buChar char="•"/>
+            </a:pPr>
+            <a:endParaRPr lang="es-ES" b="1" dirty="0" smtClean="0"/>
+          </a:p>
+          <a:p>
+            <a:endParaRPr lang="es-ES" b="1" dirty="0" smtClean="0"/>
+          </a:p>
+          <a:p>
+            <a:endParaRPr lang="es-ES" b="1" dirty="0" smtClean="0"/>
+          </a:p>
+        </p:txBody>
+      </p:sp>
+      <p:pic>
+        <p:nvPicPr>
+          <p:cNvPr id="17" name="Imagen 16"/>
+          <p:cNvPicPr>
+            <a:picLocks noChangeAspect="1"/>
+          </p:cNvPicPr>
+          <p:nvPr/>
+        </p:nvPicPr>
+        <p:blipFill>
+          <a:blip r:embed="rId4">
+            <a:extLst>
+              <a:ext uri="{28A0092B-C50C-407E-A947-70E740481C1C}">
+                <a14:useLocalDpi xmlns:a14="http://schemas.microsoft.com/office/drawing/2010/main" val="0"/>
+              </a:ext>
+            </a:extLst>
+          </a:blip>
+          <a:stretch>
+            <a:fillRect/>
+          </a:stretch>
+        </p:blipFill>
+        <p:spPr>
+          <a:xfrm>
+            <a:off x="639788" y="1388118"/>
+            <a:ext cx="5261148" cy="5196196"/>
+          </a:xfrm>
+          <a:prstGeom prst="rect">
+            <a:avLst/>
+          </a:prstGeom>
+          <a:ln>
+            <a:noFill/>
+          </a:ln>
+          <a:effectLst>
+            <a:outerShdw blurRad="190500" algn="tl" rotWithShape="0">
+              <a:srgbClr val="000000">
+                <a:alpha val="70000"/>
+              </a:srgbClr>
+            </a:outerShdw>
+          </a:effectLst>
+        </p:spPr>
+      </p:pic>
+    </p:spTree>
+    <p:extLst>
+      <p:ext uri="{BB962C8B-B14F-4D97-AF65-F5344CB8AC3E}">
+        <p14:creationId xmlns:p14="http://schemas.microsoft.com/office/powerpoint/2010/main" val="2427177227"/>
+      </p:ext>
+    </p:extLst>
+  </p:cSld>
+  <p:clrMapOvr>
+    <a:masterClrMapping/>
+  </p:clrMapOvr>
+  <p:timing>
+    <p:tnLst>
+      <p:par>
+        <p:cTn id="1" dur="indefinite" restart="never" nodeType="tmRoot"/>
+      </p:par>
+    </p:tnLst>
+  </p:timing>
+</p:sld>
+</file>
+
+<file path=ppt/slides/slide21.xml><?xml version="1.0" encoding="utf-8"?>
+<p:sld xmlns:a="http://schemas.openxmlformats.org/drawingml/2006/main" xmlns:r="http://schemas.openxmlformats.org/officeDocument/2006/relationships" xmlns:p="http://schemas.openxmlformats.org/presentationml/2006/main">
+  <p:cSld>
+    <p:spTree>
+      <p:nvGrpSpPr>
+        <p:cNvPr id="1" name=""/>
+        <p:cNvGrpSpPr/>
+        <p:nvPr/>
+      </p:nvGrpSpPr>
+      <p:grpSpPr>
+        <a:xfrm>
+          <a:off x="0" y="0"/>
+          <a:ext cx="0" cy="0"/>
+          <a:chOff x="0" y="0"/>
+          <a:chExt cx="0" cy="0"/>
+        </a:xfrm>
+      </p:grpSpPr>
+      <p:sp>
+        <p:nvSpPr>
+          <p:cNvPr id="2" name="Título 1"/>
+          <p:cNvSpPr>
+            <a:spLocks noGrp="1"/>
+          </p:cNvSpPr>
+          <p:nvPr>
+            <p:ph type="title"/>
+          </p:nvPr>
+        </p:nvSpPr>
+        <p:spPr>
+          <a:xfrm>
+            <a:off x="1790163" y="624110"/>
+            <a:ext cx="10097038" cy="650898"/>
+          </a:xfrm>
+        </p:spPr>
+        <p:txBody>
+          <a:bodyPr>
+            <a:normAutofit fontScale="90000"/>
+          </a:bodyPr>
+          <a:lstStyle/>
+          <a:p>
+            <a:r>
+              <a:rPr lang="es-ES" sz="4000" dirty="0"/>
+              <a:t>7</a:t>
+            </a:r>
+            <a:r>
+              <a:rPr lang="es-ES" sz="4000" dirty="0" smtClean="0"/>
+              <a:t>.-POSIBLES MEJORAS Y/O AMPLIACIONES</a:t>
+            </a:r>
+            <a:endParaRPr lang="es-ES" dirty="0"/>
+          </a:p>
+        </p:txBody>
+      </p:sp>
+      <p:sp>
+        <p:nvSpPr>
+          <p:cNvPr id="4" name="CuadroTexto 3"/>
+          <p:cNvSpPr txBox="1"/>
+          <p:nvPr/>
+        </p:nvSpPr>
+        <p:spPr>
+          <a:xfrm>
+            <a:off x="270456" y="141668"/>
+            <a:ext cx="2189409" cy="369332"/>
+          </a:xfrm>
+          <a:prstGeom prst="rect">
+            <a:avLst/>
+          </a:prstGeom>
+          <a:noFill/>
+        </p:spPr>
+        <p:txBody>
+          <a:bodyPr wrap="square" rtlCol="0">
+            <a:spAutoFit/>
+          </a:bodyPr>
+          <a:lstStyle/>
+          <a:p>
+            <a:r>
+              <a:rPr lang="es-ES" smtClean="0">
+                <a:ln w="0"/>
+                <a:effectLst>
+                  <a:outerShdw blurRad="38100" dist="19050" dir="2700000" algn="tl" rotWithShape="0">
+                    <a:schemeClr val="dk1">
+                      <a:alpha val="40000"/>
+                    </a:schemeClr>
+                  </a:outerShdw>
+                </a:effectLst>
+              </a:rPr>
+              <a:t>     Shops’ Admin</a:t>
+            </a:r>
+            <a:endParaRPr lang="es-ES">
+              <a:ln w="0"/>
+              <a:effectLst>
+                <a:outerShdw blurRad="38100" dist="19050" dir="2700000" algn="tl" rotWithShape="0">
+                  <a:schemeClr val="dk1">
+                    <a:alpha val="40000"/>
+                  </a:schemeClr>
+                </a:outerShdw>
+              </a:effectLst>
+            </a:endParaRPr>
+          </a:p>
+        </p:txBody>
+      </p:sp>
+      <p:pic>
+        <p:nvPicPr>
+          <p:cNvPr id="7" name="Marcador de contenido 4"/>
+          <p:cNvPicPr>
+            <a:picLocks noChangeAspect="1"/>
+          </p:cNvPicPr>
+          <p:nvPr/>
+        </p:nvPicPr>
+        <p:blipFill>
+          <a:blip r:embed="rId3">
+            <a:extLst>
+              <a:ext uri="{28A0092B-C50C-407E-A947-70E740481C1C}">
+                <a14:useLocalDpi xmlns:a14="http://schemas.microsoft.com/office/drawing/2010/main" val="0"/>
+              </a:ext>
+            </a:extLst>
+          </a:blip>
+          <a:stretch>
+            <a:fillRect/>
+          </a:stretch>
+        </p:blipFill>
+        <p:spPr>
+          <a:xfrm>
+            <a:off x="270456" y="141668"/>
+            <a:ext cx="369332" cy="369332"/>
+          </a:xfrm>
+          <a:prstGeom prst="rect">
+            <a:avLst/>
+          </a:prstGeom>
+        </p:spPr>
+      </p:pic>
+      <p:sp>
+        <p:nvSpPr>
+          <p:cNvPr id="8" name="CuadroTexto 7"/>
+          <p:cNvSpPr txBox="1"/>
+          <p:nvPr/>
+        </p:nvSpPr>
+        <p:spPr>
+          <a:xfrm>
+            <a:off x="9002333" y="141668"/>
+            <a:ext cx="2884867" cy="369332"/>
+          </a:xfrm>
+          <a:prstGeom prst="rect">
+            <a:avLst/>
+          </a:prstGeom>
+          <a:noFill/>
+        </p:spPr>
+        <p:txBody>
+          <a:bodyPr wrap="square" rtlCol="0">
+            <a:spAutoFit/>
+          </a:bodyPr>
+          <a:lstStyle/>
+          <a:p>
+            <a:r>
+              <a:rPr lang="es-ES" smtClean="0">
+                <a:ln w="0"/>
+                <a:effectLst>
+                  <a:outerShdw blurRad="38100" dist="19050" dir="2700000" algn="tl" rotWithShape="0">
+                    <a:schemeClr val="dk1">
+                      <a:alpha val="40000"/>
+                    </a:schemeClr>
+                  </a:outerShdw>
+                </a:effectLst>
+              </a:rPr>
+              <a:t>Isabel Mª Calvo Mateos</a:t>
+            </a:r>
+            <a:endParaRPr lang="es-ES">
+              <a:ln w="0"/>
+              <a:effectLst>
+                <a:outerShdw blurRad="38100" dist="19050" dir="2700000" algn="tl" rotWithShape="0">
+                  <a:schemeClr val="dk1">
+                    <a:alpha val="40000"/>
+                  </a:schemeClr>
+                </a:outerShdw>
+              </a:effectLst>
+            </a:endParaRPr>
+          </a:p>
+        </p:txBody>
+      </p:sp>
+      <p:sp>
+        <p:nvSpPr>
+          <p:cNvPr id="24" name="Marcador de contenido 2"/>
+          <p:cNvSpPr>
+            <a:spLocks noGrp="1"/>
+          </p:cNvSpPr>
+          <p:nvPr>
+            <p:ph idx="1"/>
+          </p:nvPr>
+        </p:nvSpPr>
+        <p:spPr>
+          <a:xfrm>
+            <a:off x="1790163" y="1388118"/>
+            <a:ext cx="10097037" cy="5192986"/>
+          </a:xfrm>
+        </p:spPr>
+        <p:txBody>
+          <a:bodyPr>
+            <a:normAutofit/>
+          </a:bodyPr>
+          <a:lstStyle/>
+          <a:p>
+            <a:pPr lvl="0">
+              <a:buFont typeface="+mj-lt"/>
+              <a:buAutoNum type="arabicPeriod"/>
+            </a:pPr>
+            <a:r>
+              <a:rPr lang="es-ES" dirty="0"/>
+              <a:t>Quitar el </a:t>
+            </a:r>
+            <a:r>
+              <a:rPr lang="es-ES" i="1" dirty="0" err="1"/>
+              <a:t>index.php</a:t>
+            </a:r>
+            <a:r>
+              <a:rPr lang="es-ES" i="1" dirty="0"/>
+              <a:t> </a:t>
+            </a:r>
+            <a:r>
+              <a:rPr lang="es-ES" dirty="0"/>
+              <a:t> de </a:t>
+            </a:r>
+            <a:r>
+              <a:rPr lang="es-ES" dirty="0" smtClean="0"/>
+              <a:t>las URL de CodeIgniter.</a:t>
+            </a:r>
+          </a:p>
+          <a:p>
+            <a:pPr lvl="0">
+              <a:buFont typeface="+mj-lt"/>
+              <a:buAutoNum type="arabicPeriod"/>
+            </a:pPr>
+            <a:r>
+              <a:rPr lang="es-ES" dirty="0" smtClean="0"/>
+              <a:t>Constructor </a:t>
+            </a:r>
+            <a:r>
+              <a:rPr lang="es-ES" dirty="0"/>
+              <a:t>de búsqueda para los distintos elementos, pudiendo elegir el campo por el que buscar.</a:t>
+            </a:r>
+          </a:p>
+          <a:p>
+            <a:pPr lvl="0">
+              <a:buFont typeface="+mj-lt"/>
+              <a:buAutoNum type="arabicPeriod"/>
+            </a:pPr>
+            <a:r>
+              <a:rPr lang="es-ES" dirty="0"/>
+              <a:t>Pasarela de pago </a:t>
+            </a:r>
+            <a:r>
+              <a:rPr lang="es-ES" dirty="0" smtClean="0"/>
+              <a:t>en la tienda.</a:t>
+            </a:r>
+            <a:endParaRPr lang="es-ES" dirty="0"/>
+          </a:p>
+          <a:p>
+            <a:pPr lvl="0">
+              <a:buFont typeface="+mj-lt"/>
+              <a:buAutoNum type="arabicPeriod"/>
+            </a:pPr>
+            <a:r>
+              <a:rPr lang="es-ES" dirty="0"/>
+              <a:t>Implementar el plugin de jQuery DataTables en todas las listas.</a:t>
+            </a:r>
+          </a:p>
+          <a:p>
+            <a:pPr lvl="0">
+              <a:buFont typeface="+mj-lt"/>
+              <a:buAutoNum type="arabicPeriod"/>
+            </a:pPr>
+            <a:r>
+              <a:rPr lang="es-ES" dirty="0"/>
+              <a:t>Instalador que permita disponer de la aplicación </a:t>
+            </a:r>
+            <a:r>
+              <a:rPr lang="es-ES" dirty="0" smtClean="0"/>
+              <a:t>fácilmente </a:t>
+            </a:r>
+            <a:r>
+              <a:rPr lang="es-ES" dirty="0"/>
+              <a:t>en cualquier servidor.</a:t>
+            </a:r>
+          </a:p>
+          <a:p>
+            <a:pPr lvl="0">
+              <a:buFont typeface="+mj-lt"/>
+              <a:buAutoNum type="arabicPeriod"/>
+            </a:pPr>
+            <a:r>
+              <a:rPr lang="es-ES" dirty="0"/>
+              <a:t>Añadir fotos de los usuarios y clientes.</a:t>
+            </a:r>
+          </a:p>
+          <a:p>
+            <a:pPr lvl="0">
+              <a:buFont typeface="+mj-lt"/>
+              <a:buAutoNum type="arabicPeriod"/>
+            </a:pPr>
+            <a:r>
+              <a:rPr lang="es-ES" dirty="0"/>
+              <a:t>Poder realizar pedidos a los proveedores.</a:t>
+            </a:r>
+          </a:p>
+          <a:p>
+            <a:pPr lvl="0">
+              <a:buFont typeface="+mj-lt"/>
+              <a:buAutoNum type="arabicPeriod"/>
+            </a:pPr>
+            <a:r>
+              <a:rPr lang="es-ES" dirty="0"/>
+              <a:t>Avisos cuando las facturas lleven mucho tiempo sin </a:t>
+            </a:r>
+            <a:r>
+              <a:rPr lang="es-ES" dirty="0" smtClean="0"/>
+              <a:t>ser </a:t>
+            </a:r>
+            <a:r>
+              <a:rPr lang="es-ES" dirty="0"/>
+              <a:t>pagadas.</a:t>
+            </a:r>
+          </a:p>
+          <a:p>
+            <a:pPr marL="0" indent="0">
+              <a:buNone/>
+            </a:pPr>
+            <a:endParaRPr lang="es-ES" b="1" dirty="0" smtClean="0"/>
+          </a:p>
+        </p:txBody>
+      </p:sp>
       <p:pic>
         <p:nvPicPr>
           <p:cNvPr id="5" name="Imagen 4"/>
@@ -12708,12 +15816,500 @@
         </p:blipFill>
         <p:spPr>
           <a:xfrm>
-            <a:off x="1790163" y="1929666"/>
-            <a:ext cx="9952482" cy="3852949"/>
+            <a:off x="9437686" y="3583127"/>
+            <a:ext cx="2572053" cy="2997977"/>
           </a:xfrm>
           <a:prstGeom prst="rect">
             <a:avLst/>
           </a:prstGeom>
+        </p:spPr>
+      </p:pic>
+    </p:spTree>
+    <p:extLst>
+      <p:ext uri="{BB962C8B-B14F-4D97-AF65-F5344CB8AC3E}">
+        <p14:creationId xmlns:p14="http://schemas.microsoft.com/office/powerpoint/2010/main" val="3235084164"/>
+      </p:ext>
+    </p:extLst>
+  </p:cSld>
+  <p:clrMapOvr>
+    <a:masterClrMapping/>
+  </p:clrMapOvr>
+  <p:timing>
+    <p:tnLst>
+      <p:par>
+        <p:cTn id="1" dur="indefinite" restart="never" nodeType="tmRoot"/>
+      </p:par>
+    </p:tnLst>
+  </p:timing>
+</p:sld>
+</file>
+
+<file path=ppt/slides/slide22.xml><?xml version="1.0" encoding="utf-8"?>
+<p:sld xmlns:a="http://schemas.openxmlformats.org/drawingml/2006/main" xmlns:r="http://schemas.openxmlformats.org/officeDocument/2006/relationships" xmlns:p="http://schemas.openxmlformats.org/presentationml/2006/main">
+  <p:cSld>
+    <p:spTree>
+      <p:nvGrpSpPr>
+        <p:cNvPr id="1" name=""/>
+        <p:cNvGrpSpPr/>
+        <p:nvPr/>
+      </p:nvGrpSpPr>
+      <p:grpSpPr>
+        <a:xfrm>
+          <a:off x="0" y="0"/>
+          <a:ext cx="0" cy="0"/>
+          <a:chOff x="0" y="0"/>
+          <a:chExt cx="0" cy="0"/>
+        </a:xfrm>
+      </p:grpSpPr>
+      <p:sp>
+        <p:nvSpPr>
+          <p:cNvPr id="4" name="CuadroTexto 3"/>
+          <p:cNvSpPr txBox="1"/>
+          <p:nvPr/>
+        </p:nvSpPr>
+        <p:spPr>
+          <a:xfrm>
+            <a:off x="2021983" y="1236372"/>
+            <a:ext cx="9350062" cy="1200329"/>
+          </a:xfrm>
+          <a:prstGeom prst="rect">
+            <a:avLst/>
+          </a:prstGeom>
+          <a:noFill/>
+        </p:spPr>
+        <p:txBody>
+          <a:bodyPr wrap="square" rtlCol="0">
+            <a:spAutoFit/>
+          </a:bodyPr>
+          <a:lstStyle/>
+          <a:p>
+            <a:pPr algn="ctr"/>
+            <a:r>
+              <a:rPr lang="es-ES" sz="7200" b="1" dirty="0" smtClean="0">
+                <a:ln w="0"/>
+                <a:effectLst>
+                  <a:outerShdw blurRad="38100" dist="19050" dir="2700000" algn="tl" rotWithShape="0">
+                    <a:schemeClr val="dk1">
+                      <a:alpha val="40000"/>
+                    </a:schemeClr>
+                  </a:outerShdw>
+                </a:effectLst>
+              </a:rPr>
+              <a:t>¡MUCHAS GRACIAS!</a:t>
+            </a:r>
+            <a:endParaRPr lang="es-ES" sz="7200" b="1" dirty="0">
+              <a:ln w="0"/>
+              <a:effectLst>
+                <a:outerShdw blurRad="38100" dist="19050" dir="2700000" algn="tl" rotWithShape="0">
+                  <a:schemeClr val="dk1">
+                    <a:alpha val="40000"/>
+                  </a:schemeClr>
+                </a:outerShdw>
+              </a:effectLst>
+            </a:endParaRPr>
+          </a:p>
+        </p:txBody>
+      </p:sp>
+      <p:sp>
+        <p:nvSpPr>
+          <p:cNvPr id="5" name="CuadroTexto 4"/>
+          <p:cNvSpPr txBox="1"/>
+          <p:nvPr/>
+        </p:nvSpPr>
+        <p:spPr>
+          <a:xfrm>
+            <a:off x="3593207" y="3657600"/>
+            <a:ext cx="5357610" cy="369332"/>
+          </a:xfrm>
+          <a:prstGeom prst="rect">
+            <a:avLst/>
+          </a:prstGeom>
+          <a:noFill/>
+        </p:spPr>
+        <p:txBody>
+          <a:bodyPr wrap="square" rtlCol="0">
+            <a:spAutoFit/>
+          </a:bodyPr>
+          <a:lstStyle/>
+          <a:p>
+            <a:r>
+              <a:rPr lang="es-ES" b="1" dirty="0" smtClean="0">
+                <a:solidFill>
+                  <a:schemeClr val="accent3"/>
+                </a:solidFill>
+                <a:hlinkClick r:id="rId2"/>
+              </a:rPr>
+              <a:t>Ir al Módulo de Venta    </a:t>
+            </a:r>
+            <a:endParaRPr lang="es-ES" b="1" dirty="0">
+              <a:solidFill>
+                <a:schemeClr val="accent3"/>
+              </a:solidFill>
+            </a:endParaRPr>
+          </a:p>
+        </p:txBody>
+      </p:sp>
+      <p:sp>
+        <p:nvSpPr>
+          <p:cNvPr id="6" name="CuadroTexto 5">
+            <a:hlinkClick r:id="rId3"/>
+          </p:cNvPr>
+          <p:cNvSpPr txBox="1"/>
+          <p:nvPr/>
+        </p:nvSpPr>
+        <p:spPr>
+          <a:xfrm>
+            <a:off x="7089260" y="3657600"/>
+            <a:ext cx="3631843" cy="369332"/>
+          </a:xfrm>
+          <a:prstGeom prst="rect">
+            <a:avLst/>
+          </a:prstGeom>
+          <a:noFill/>
+        </p:spPr>
+        <p:txBody>
+          <a:bodyPr wrap="square" rtlCol="0">
+            <a:spAutoFit/>
+          </a:bodyPr>
+          <a:lstStyle/>
+          <a:p>
+            <a:r>
+              <a:rPr lang="es-ES" b="1" dirty="0" smtClean="0">
+                <a:solidFill>
+                  <a:schemeClr val="accent3"/>
+                </a:solidFill>
+                <a:hlinkClick r:id="rId3"/>
+              </a:rPr>
+              <a:t>Ir al Módulo de Administración </a:t>
+            </a:r>
+            <a:endParaRPr lang="es-ES" b="1" dirty="0">
+              <a:solidFill>
+                <a:schemeClr val="accent3"/>
+              </a:solidFill>
+            </a:endParaRPr>
+          </a:p>
+        </p:txBody>
+      </p:sp>
+      <p:pic>
+        <p:nvPicPr>
+          <p:cNvPr id="7" name="Imagen 6">
+            <a:hlinkClick r:id="rId2"/>
+          </p:cNvPr>
+          <p:cNvPicPr>
+            <a:picLocks noChangeAspect="1"/>
+          </p:cNvPicPr>
+          <p:nvPr/>
+        </p:nvPicPr>
+        <p:blipFill>
+          <a:blip r:embed="rId4">
+            <a:extLst>
+              <a:ext uri="{28A0092B-C50C-407E-A947-70E740481C1C}">
+                <a14:useLocalDpi xmlns:a14="http://schemas.microsoft.com/office/drawing/2010/main" val="0"/>
+              </a:ext>
+            </a:extLst>
+          </a:blip>
+          <a:stretch>
+            <a:fillRect/>
+          </a:stretch>
+        </p:blipFill>
+        <p:spPr>
+          <a:xfrm>
+            <a:off x="3195079" y="3657600"/>
+            <a:ext cx="398128" cy="398128"/>
+          </a:xfrm>
+          <a:prstGeom prst="rect">
+            <a:avLst/>
+          </a:prstGeom>
+        </p:spPr>
+      </p:pic>
+      <p:pic>
+        <p:nvPicPr>
+          <p:cNvPr id="8" name="Imagen 7">
+            <a:hlinkClick r:id="rId3"/>
+          </p:cNvPr>
+          <p:cNvPicPr>
+            <a:picLocks noChangeAspect="1"/>
+          </p:cNvPicPr>
+          <p:nvPr/>
+        </p:nvPicPr>
+        <p:blipFill>
+          <a:blip r:embed="rId4">
+            <a:extLst>
+              <a:ext uri="{28A0092B-C50C-407E-A947-70E740481C1C}">
+                <a14:useLocalDpi xmlns:a14="http://schemas.microsoft.com/office/drawing/2010/main" val="0"/>
+              </a:ext>
+            </a:extLst>
+          </a:blip>
+          <a:stretch>
+            <a:fillRect/>
+          </a:stretch>
+        </p:blipFill>
+        <p:spPr>
+          <a:xfrm>
+            <a:off x="6691132" y="3657600"/>
+            <a:ext cx="398128" cy="398128"/>
+          </a:xfrm>
+          <a:prstGeom prst="rect">
+            <a:avLst/>
+          </a:prstGeom>
+        </p:spPr>
+      </p:pic>
+    </p:spTree>
+    <p:extLst>
+      <p:ext uri="{BB962C8B-B14F-4D97-AF65-F5344CB8AC3E}">
+        <p14:creationId xmlns:p14="http://schemas.microsoft.com/office/powerpoint/2010/main" val="1469495544"/>
+      </p:ext>
+    </p:extLst>
+  </p:cSld>
+  <p:clrMapOvr>
+    <a:masterClrMapping/>
+  </p:clrMapOvr>
+  <p:timing>
+    <p:tnLst>
+      <p:par>
+        <p:cTn id="1" dur="indefinite" restart="never" nodeType="tmRoot"/>
+      </p:par>
+    </p:tnLst>
+  </p:timing>
+</p:sld>
+</file>
+
+<file path=ppt/slides/slide3.xml><?xml version="1.0" encoding="utf-8"?>
+<p:sld xmlns:a="http://schemas.openxmlformats.org/drawingml/2006/main" xmlns:r="http://schemas.openxmlformats.org/officeDocument/2006/relationships" xmlns:p="http://schemas.openxmlformats.org/presentationml/2006/main">
+  <p:cSld>
+    <p:spTree>
+      <p:nvGrpSpPr>
+        <p:cNvPr id="1" name=""/>
+        <p:cNvGrpSpPr/>
+        <p:nvPr/>
+      </p:nvGrpSpPr>
+      <p:grpSpPr>
+        <a:xfrm>
+          <a:off x="0" y="0"/>
+          <a:ext cx="0" cy="0"/>
+          <a:chOff x="0" y="0"/>
+          <a:chExt cx="0" cy="0"/>
+        </a:xfrm>
+      </p:grpSpPr>
+      <p:sp>
+        <p:nvSpPr>
+          <p:cNvPr id="2" name="Título 1"/>
+          <p:cNvSpPr>
+            <a:spLocks noGrp="1"/>
+          </p:cNvSpPr>
+          <p:nvPr>
+            <p:ph type="title"/>
+          </p:nvPr>
+        </p:nvSpPr>
+        <p:spPr>
+          <a:xfrm>
+            <a:off x="1790163" y="624110"/>
+            <a:ext cx="10097038" cy="650898"/>
+          </a:xfrm>
+        </p:spPr>
+        <p:txBody>
+          <a:bodyPr/>
+          <a:lstStyle/>
+          <a:p>
+            <a:r>
+              <a:rPr lang="es-ES" dirty="0" smtClean="0"/>
+              <a:t>2.- PLANIFICACIÓN</a:t>
+            </a:r>
+            <a:endParaRPr lang="es-ES" dirty="0"/>
+          </a:p>
+        </p:txBody>
+      </p:sp>
+      <p:sp>
+        <p:nvSpPr>
+          <p:cNvPr id="3" name="Marcador de contenido 2"/>
+          <p:cNvSpPr>
+            <a:spLocks noGrp="1"/>
+          </p:cNvSpPr>
+          <p:nvPr>
+            <p:ph idx="1"/>
+          </p:nvPr>
+        </p:nvSpPr>
+        <p:spPr>
+          <a:xfrm>
+            <a:off x="1790163" y="1532586"/>
+            <a:ext cx="10097037" cy="5048518"/>
+          </a:xfrm>
+        </p:spPr>
+        <p:txBody>
+          <a:bodyPr/>
+          <a:lstStyle/>
+          <a:p>
+            <a:endParaRPr lang="es-ES" smtClean="0"/>
+          </a:p>
+          <a:p>
+            <a:endParaRPr lang="es-ES"/>
+          </a:p>
+        </p:txBody>
+      </p:sp>
+      <p:sp>
+        <p:nvSpPr>
+          <p:cNvPr id="4" name="CuadroTexto 3"/>
+          <p:cNvSpPr txBox="1"/>
+          <p:nvPr/>
+        </p:nvSpPr>
+        <p:spPr>
+          <a:xfrm>
+            <a:off x="270456" y="141668"/>
+            <a:ext cx="2189409" cy="369332"/>
+          </a:xfrm>
+          <a:prstGeom prst="rect">
+            <a:avLst/>
+          </a:prstGeom>
+          <a:noFill/>
+        </p:spPr>
+        <p:txBody>
+          <a:bodyPr wrap="square" rtlCol="0">
+            <a:spAutoFit/>
+          </a:bodyPr>
+          <a:lstStyle/>
+          <a:p>
+            <a:r>
+              <a:rPr lang="es-ES" smtClean="0">
+                <a:ln w="0"/>
+                <a:effectLst>
+                  <a:outerShdw blurRad="38100" dist="19050" dir="2700000" algn="tl" rotWithShape="0">
+                    <a:schemeClr val="dk1">
+                      <a:alpha val="40000"/>
+                    </a:schemeClr>
+                  </a:outerShdw>
+                </a:effectLst>
+              </a:rPr>
+              <a:t>     Shops’ Admin</a:t>
+            </a:r>
+            <a:endParaRPr lang="es-ES">
+              <a:ln w="0"/>
+              <a:effectLst>
+                <a:outerShdw blurRad="38100" dist="19050" dir="2700000" algn="tl" rotWithShape="0">
+                  <a:schemeClr val="dk1">
+                    <a:alpha val="40000"/>
+                  </a:schemeClr>
+                </a:outerShdw>
+              </a:effectLst>
+            </a:endParaRPr>
+          </a:p>
+        </p:txBody>
+      </p:sp>
+      <p:pic>
+        <p:nvPicPr>
+          <p:cNvPr id="7" name="Marcador de contenido 4"/>
+          <p:cNvPicPr>
+            <a:picLocks noChangeAspect="1"/>
+          </p:cNvPicPr>
+          <p:nvPr/>
+        </p:nvPicPr>
+        <p:blipFill>
+          <a:blip r:embed="rId3">
+            <a:extLst>
+              <a:ext uri="{28A0092B-C50C-407E-A947-70E740481C1C}">
+                <a14:useLocalDpi xmlns:a14="http://schemas.microsoft.com/office/drawing/2010/main" val="0"/>
+              </a:ext>
+            </a:extLst>
+          </a:blip>
+          <a:stretch>
+            <a:fillRect/>
+          </a:stretch>
+        </p:blipFill>
+        <p:spPr>
+          <a:xfrm>
+            <a:off x="270456" y="141668"/>
+            <a:ext cx="369332" cy="369332"/>
+          </a:xfrm>
+          <a:prstGeom prst="rect">
+            <a:avLst/>
+          </a:prstGeom>
+        </p:spPr>
+      </p:pic>
+      <p:sp>
+        <p:nvSpPr>
+          <p:cNvPr id="8" name="CuadroTexto 7"/>
+          <p:cNvSpPr txBox="1"/>
+          <p:nvPr/>
+        </p:nvSpPr>
+        <p:spPr>
+          <a:xfrm>
+            <a:off x="9002333" y="141668"/>
+            <a:ext cx="2884867" cy="369332"/>
+          </a:xfrm>
+          <a:prstGeom prst="rect">
+            <a:avLst/>
+          </a:prstGeom>
+          <a:noFill/>
+        </p:spPr>
+        <p:txBody>
+          <a:bodyPr wrap="square" rtlCol="0">
+            <a:spAutoFit/>
+          </a:bodyPr>
+          <a:lstStyle/>
+          <a:p>
+            <a:r>
+              <a:rPr lang="es-ES" smtClean="0">
+                <a:ln w="0"/>
+                <a:effectLst>
+                  <a:outerShdw blurRad="38100" dist="19050" dir="2700000" algn="tl" rotWithShape="0">
+                    <a:schemeClr val="dk1">
+                      <a:alpha val="40000"/>
+                    </a:schemeClr>
+                  </a:outerShdw>
+                </a:effectLst>
+              </a:rPr>
+              <a:t>Isabel Mª Calvo Mateos</a:t>
+            </a:r>
+            <a:endParaRPr lang="es-ES">
+              <a:ln w="0"/>
+              <a:effectLst>
+                <a:outerShdw blurRad="38100" dist="19050" dir="2700000" algn="tl" rotWithShape="0">
+                  <a:schemeClr val="dk1">
+                    <a:alpha val="40000"/>
+                  </a:schemeClr>
+                </a:outerShdw>
+              </a:effectLst>
+            </a:endParaRPr>
+          </a:p>
+        </p:txBody>
+      </p:sp>
+      <p:pic>
+        <p:nvPicPr>
+          <p:cNvPr id="5" name="Imagen 4"/>
+          <p:cNvPicPr>
+            <a:picLocks noChangeAspect="1"/>
+          </p:cNvPicPr>
+          <p:nvPr/>
+        </p:nvPicPr>
+        <p:blipFill>
+          <a:blip r:embed="rId4">
+            <a:extLst>
+              <a:ext uri="{28A0092B-C50C-407E-A947-70E740481C1C}">
+                <a14:useLocalDpi xmlns:a14="http://schemas.microsoft.com/office/drawing/2010/main" val="0"/>
+              </a:ext>
+            </a:extLst>
+          </a:blip>
+          <a:stretch>
+            <a:fillRect/>
+          </a:stretch>
+        </p:blipFill>
+        <p:spPr>
+          <a:xfrm>
+            <a:off x="1790163" y="1929666"/>
+            <a:ext cx="9952482" cy="3852949"/>
+          </a:xfrm>
+          <a:prstGeom prst="rect">
+            <a:avLst/>
+          </a:prstGeom>
+          <a:ln>
+            <a:noFill/>
+          </a:ln>
+          <a:effectLst>
+            <a:outerShdw blurRad="190500" algn="tl" rotWithShape="0">
+              <a:srgbClr val="000000">
+                <a:alpha val="70000"/>
+              </a:srgbClr>
+            </a:outerShdw>
+          </a:effectLst>
         </p:spPr>
       </p:pic>
     </p:spTree>
@@ -15055,7 +18651,7 @@
       </p:pic>
       <p:pic>
         <p:nvPicPr>
-          <p:cNvPr id="12" name="Imagen 11"/>
+          <p:cNvPr id="13" name="Imagen 12"/>
           <p:cNvPicPr>
             <a:picLocks noChangeAspect="1"/>
           </p:cNvPicPr>
@@ -15075,8 +18671,8 @@
         </p:blipFill>
         <p:spPr>
           <a:xfrm>
-            <a:off x="4193664" y="2674740"/>
-            <a:ext cx="545762" cy="511916"/>
+            <a:off x="9686618" y="5427224"/>
+            <a:ext cx="1438476" cy="409632"/>
           </a:xfrm>
           <a:prstGeom prst="rect">
             <a:avLst/>
@@ -15085,7 +18681,7 @@
       </p:pic>
       <p:pic>
         <p:nvPicPr>
-          <p:cNvPr id="13" name="Imagen 12"/>
+          <p:cNvPr id="14" name="Imagen 13"/>
           <p:cNvPicPr>
             <a:picLocks noChangeAspect="1"/>
           </p:cNvPicPr>
@@ -15105,8 +18701,8 @@
         </p:blipFill>
         <p:spPr>
           <a:xfrm>
-            <a:off x="9686618" y="5427224"/>
-            <a:ext cx="1438476" cy="409632"/>
+            <a:off x="7122758" y="5885572"/>
+            <a:ext cx="1057423" cy="485843"/>
           </a:xfrm>
           <a:prstGeom prst="rect">
             <a:avLst/>
@@ -15115,7 +18711,7 @@
       </p:pic>
       <p:pic>
         <p:nvPicPr>
-          <p:cNvPr id="14" name="Imagen 13"/>
+          <p:cNvPr id="6" name="Imagen 5"/>
           <p:cNvPicPr>
             <a:picLocks noChangeAspect="1"/>
           </p:cNvPicPr>
@@ -15135,8 +18731,8 @@
         </p:blipFill>
         <p:spPr>
           <a:xfrm>
-            <a:off x="7122758" y="5885572"/>
-            <a:ext cx="1057423" cy="485843"/>
+            <a:off x="4154551" y="2581933"/>
+            <a:ext cx="707413" cy="663543"/>
           </a:xfrm>
           <a:prstGeom prst="rect">
             <a:avLst/>
@@ -15511,6 +19107,16 @@
           <a:prstGeom prst="rect">
             <a:avLst/>
           </a:prstGeom>
+          <a:ln>
+            <a:noFill/>
+          </a:ln>
+          <a:effectLst>
+            <a:outerShdw blurRad="190500" algn="tl" rotWithShape="0">
+              <a:srgbClr val="000000">
+                <a:alpha val="70000"/>
+              </a:srgbClr>
+            </a:outerShdw>
+          </a:effectLst>
         </p:spPr>
       </p:pic>
       <p:pic>
@@ -15541,6 +19147,16 @@
           <a:prstGeom prst="rect">
             <a:avLst/>
           </a:prstGeom>
+          <a:ln>
+            <a:noFill/>
+          </a:ln>
+          <a:effectLst>
+            <a:outerShdw blurRad="190500" algn="tl" rotWithShape="0">
+              <a:srgbClr val="000000">
+                <a:alpha val="70000"/>
+              </a:srgbClr>
+            </a:outerShdw>
+          </a:effectLst>
         </p:spPr>
       </p:pic>
     </p:spTree>
@@ -15908,6 +19524,16 @@
           <a:prstGeom prst="rect">
             <a:avLst/>
           </a:prstGeom>
+          <a:ln>
+            <a:noFill/>
+          </a:ln>
+          <a:effectLst>
+            <a:outerShdw blurRad="190500" algn="tl" rotWithShape="0">
+              <a:srgbClr val="000000">
+                <a:alpha val="70000"/>
+              </a:srgbClr>
+            </a:outerShdw>
+          </a:effectLst>
         </p:spPr>
       </p:pic>
     </p:spTree>
